--- a/presentation/Team-25_Peter.pptx
+++ b/presentation/Team-25_Peter.pptx
@@ -5,37 +5,38 @@
     <p:sldMasterId id="2147483950" r:id="rId1"/>
   </p:sldMasterIdLst>
   <p:notesMasterIdLst>
-    <p:notesMasterId r:id="rId30"/>
+    <p:notesMasterId r:id="rId31"/>
   </p:notesMasterIdLst>
   <p:sldIdLst>
     <p:sldId id="257" r:id="rId2"/>
     <p:sldId id="270" r:id="rId3"/>
     <p:sldId id="259" r:id="rId4"/>
-    <p:sldId id="258" r:id="rId5"/>
-    <p:sldId id="264" r:id="rId6"/>
-    <p:sldId id="271" r:id="rId7"/>
-    <p:sldId id="274" r:id="rId8"/>
-    <p:sldId id="286" r:id="rId9"/>
-    <p:sldId id="287" r:id="rId10"/>
-    <p:sldId id="288" r:id="rId11"/>
-    <p:sldId id="289" r:id="rId12"/>
-    <p:sldId id="290" r:id="rId13"/>
-    <p:sldId id="295" r:id="rId14"/>
-    <p:sldId id="285" r:id="rId15"/>
-    <p:sldId id="291" r:id="rId16"/>
-    <p:sldId id="292" r:id="rId17"/>
-    <p:sldId id="293" r:id="rId18"/>
-    <p:sldId id="294" r:id="rId19"/>
-    <p:sldId id="284" r:id="rId20"/>
-    <p:sldId id="272" r:id="rId21"/>
-    <p:sldId id="273" r:id="rId22"/>
-    <p:sldId id="275" r:id="rId23"/>
-    <p:sldId id="276" r:id="rId24"/>
-    <p:sldId id="282" r:id="rId25"/>
-    <p:sldId id="277" r:id="rId26"/>
-    <p:sldId id="279" r:id="rId27"/>
-    <p:sldId id="278" r:id="rId28"/>
-    <p:sldId id="281" r:id="rId29"/>
+    <p:sldId id="305" r:id="rId5"/>
+    <p:sldId id="258" r:id="rId6"/>
+    <p:sldId id="264" r:id="rId7"/>
+    <p:sldId id="271" r:id="rId8"/>
+    <p:sldId id="274" r:id="rId9"/>
+    <p:sldId id="286" r:id="rId10"/>
+    <p:sldId id="287" r:id="rId11"/>
+    <p:sldId id="288" r:id="rId12"/>
+    <p:sldId id="289" r:id="rId13"/>
+    <p:sldId id="290" r:id="rId14"/>
+    <p:sldId id="295" r:id="rId15"/>
+    <p:sldId id="285" r:id="rId16"/>
+    <p:sldId id="291" r:id="rId17"/>
+    <p:sldId id="292" r:id="rId18"/>
+    <p:sldId id="293" r:id="rId19"/>
+    <p:sldId id="294" r:id="rId20"/>
+    <p:sldId id="284" r:id="rId21"/>
+    <p:sldId id="272" r:id="rId22"/>
+    <p:sldId id="273" r:id="rId23"/>
+    <p:sldId id="275" r:id="rId24"/>
+    <p:sldId id="276" r:id="rId25"/>
+    <p:sldId id="282" r:id="rId26"/>
+    <p:sldId id="277" r:id="rId27"/>
+    <p:sldId id="279" r:id="rId28"/>
+    <p:sldId id="278" r:id="rId29"/>
+    <p:sldId id="281" r:id="rId30"/>
   </p:sldIdLst>
   <p:sldSz cx="12192000" cy="6858000"/>
   <p:notesSz cx="6858000" cy="9144000"/>
@@ -224,7 +225,7 @@
           <a:p>
             <a:fld id="{5D44D6BF-B9BD-4338-90A3-91B6768E1A15}" type="datetimeFigureOut">
               <a:rPr lang="en-US" smtClean="0"/>
-              <a:t>4/7/20</a:t>
+              <a:t>4/11/20</a:t>
             </a:fld>
             <a:endParaRPr lang="en-US"/>
           </a:p>
@@ -535,71 +536,6 @@
           <a:bodyPr/>
           <a:lstStyle/>
           <a:p>
-            <a:pPr marL="0" marR="0" lvl="0" indent="0" algn="l" defTabSz="914400" rtl="0" eaLnBrk="1" fontAlgn="auto" latinLnBrk="0" hangingPunct="1">
-              <a:lnSpc>
-                <a:spcPct val="100000"/>
-              </a:lnSpc>
-              <a:spcBef>
-                <a:spcPts val="0"/>
-              </a:spcBef>
-              <a:spcAft>
-                <a:spcPts val="0"/>
-              </a:spcAft>
-              <a:buClrTx/>
-              <a:buSzTx/>
-              <a:buFontTx/>
-              <a:buNone/>
-              <a:tabLst/>
-              <a:defRPr/>
-            </a:pPr>
-            <a:r>
-              <a:rPr lang="en-US" dirty="0"/>
-              <a:t>[x1]</a:t>
-            </a:r>
-            <a:r>
-              <a:rPr lang="en-US" sz="1200" kern="1200" dirty="0">
-                <a:solidFill>
-                  <a:schemeClr val="tx1"/>
-                </a:solidFill>
-                <a:effectLst/>
-                <a:latin typeface="+mn-lt"/>
-                <a:ea typeface="+mn-ea"/>
-                <a:cs typeface="+mn-cs"/>
-                <a:hlinkClick r:id="rId3"/>
-              </a:rPr>
-              <a:t> https://www.who.int/health_financing/topics/resource-tracking/ghed-update/en/</a:t>
-            </a:r>
-            <a:endParaRPr lang="en-US" sz="1200" kern="1200" dirty="0">
-              <a:solidFill>
-                <a:schemeClr val="tx1"/>
-              </a:solidFill>
-              <a:effectLst/>
-              <a:latin typeface="+mn-lt"/>
-              <a:ea typeface="+mn-ea"/>
-              <a:cs typeface="+mn-cs"/>
-            </a:endParaRPr>
-          </a:p>
-          <a:p>
-            <a:endParaRPr lang="en-US" dirty="0"/>
-          </a:p>
-          <a:p>
-            <a:r>
-              <a:rPr lang="en-US" dirty="0"/>
-              <a:t>[x6]</a:t>
-            </a:r>
-            <a:r>
-              <a:rPr lang="en-US" sz="1200" u="sng" kern="1200" dirty="0">
-                <a:solidFill>
-                  <a:schemeClr val="tx1"/>
-                </a:solidFill>
-                <a:effectLst/>
-                <a:latin typeface="+mn-lt"/>
-                <a:ea typeface="+mn-ea"/>
-                <a:cs typeface="+mn-cs"/>
-                <a:hlinkClick r:id="rId4"/>
-              </a:rPr>
-              <a:t> https://www.who.int/gho/mental_health/human_resources/psychiatrists_nurses/en/</a:t>
-            </a:r>
             <a:endParaRPr lang="en-US" dirty="0"/>
           </a:p>
         </p:txBody>
@@ -621,7 +557,7 @@
           <a:p>
             <a:fld id="{56B17D78-F1C7-4592-8843-493934A58F74}" type="slidenum">
               <a:rPr lang="en-US" smtClean="0"/>
-              <a:t>8</a:t>
+              <a:t>4</a:t>
             </a:fld>
             <a:endParaRPr lang="en-US"/>
           </a:p>
@@ -630,7 +566,7 @@
     </p:spTree>
     <p:extLst>
       <p:ext uri="{BB962C8B-B14F-4D97-AF65-F5344CB8AC3E}">
-        <p14:creationId xmlns:p14="http://schemas.microsoft.com/office/powerpoint/2010/main" val="3624115932"/>
+        <p14:creationId xmlns:p14="http://schemas.microsoft.com/office/powerpoint/2010/main" val="1390065"/>
       </p:ext>
     </p:extLst>
   </p:cSld>
@@ -702,19 +638,11 @@
               <a:defRPr/>
             </a:pPr>
             <a:r>
+              <a:rPr lang="en-US" dirty="0"/>
+              <a:t>[x1]</a:t>
+            </a:r>
+            <a:r>
               <a:rPr lang="en-US" sz="1200" kern="1200" dirty="0">
-                <a:solidFill>
-                  <a:schemeClr val="tx1"/>
-                </a:solidFill>
-                <a:effectLst/>
-                <a:latin typeface="+mn-lt"/>
-                <a:ea typeface="+mn-ea"/>
-                <a:cs typeface="+mn-cs"/>
-              </a:rPr>
-              <a:t>[1] </a:t>
-            </a:r>
-            <a:r>
-              <a:rPr lang="en-US" sz="1200" u="sng" kern="1200" dirty="0">
                 <a:solidFill>
                   <a:schemeClr val="tx1"/>
                 </a:solidFill>
@@ -724,7 +652,7 @@
                 <a:cs typeface="+mn-cs"/>
                 <a:hlinkClick r:id="rId3"/>
               </a:rPr>
-              <a:t>https://www.who.int/health_financing/topics/resource-tracking/ghed-update/en/</a:t>
+              <a:t> https://www.who.int/health_financing/topics/resource-tracking/ghed-update/en/</a:t>
             </a:r>
             <a:endParaRPr lang="en-US" sz="1200" kern="1200" dirty="0">
               <a:solidFill>
@@ -736,6 +664,110 @@
               <a:cs typeface="+mn-cs"/>
             </a:endParaRPr>
           </a:p>
+          <a:p>
+            <a:endParaRPr lang="en-US" dirty="0"/>
+          </a:p>
+          <a:p>
+            <a:r>
+              <a:rPr lang="en-US" dirty="0"/>
+              <a:t>[x6]</a:t>
+            </a:r>
+            <a:r>
+              <a:rPr lang="en-US" sz="1200" u="sng" kern="1200" dirty="0">
+                <a:solidFill>
+                  <a:schemeClr val="tx1"/>
+                </a:solidFill>
+                <a:effectLst/>
+                <a:latin typeface="+mn-lt"/>
+                <a:ea typeface="+mn-ea"/>
+                <a:cs typeface="+mn-cs"/>
+                <a:hlinkClick r:id="rId4"/>
+              </a:rPr>
+              <a:t> https://www.who.int/gho/mental_health/human_resources/psychiatrists_nurses/en/</a:t>
+            </a:r>
+            <a:endParaRPr lang="en-US" dirty="0"/>
+          </a:p>
+        </p:txBody>
+      </p:sp>
+      <p:sp>
+        <p:nvSpPr>
+          <p:cNvPr id="4" name="Slide Number Placeholder 3"/>
+          <p:cNvSpPr>
+            <a:spLocks noGrp="1"/>
+          </p:cNvSpPr>
+          <p:nvPr>
+            <p:ph type="sldNum" sz="quarter" idx="5"/>
+          </p:nvPr>
+        </p:nvSpPr>
+        <p:spPr/>
+        <p:txBody>
+          <a:bodyPr/>
+          <a:lstStyle/>
+          <a:p>
+            <a:fld id="{56B17D78-F1C7-4592-8843-493934A58F74}" type="slidenum">
+              <a:rPr lang="en-US" smtClean="0"/>
+              <a:t>9</a:t>
+            </a:fld>
+            <a:endParaRPr lang="en-US"/>
+          </a:p>
+        </p:txBody>
+      </p:sp>
+    </p:spTree>
+    <p:extLst>
+      <p:ext uri="{BB962C8B-B14F-4D97-AF65-F5344CB8AC3E}">
+        <p14:creationId xmlns:p14="http://schemas.microsoft.com/office/powerpoint/2010/main" val="3624115932"/>
+      </p:ext>
+    </p:extLst>
+  </p:cSld>
+  <p:clrMapOvr>
+    <a:masterClrMapping/>
+  </p:clrMapOvr>
+</p:notes>
+</file>
+
+<file path=ppt/notesSlides/notesSlide3.xml><?xml version="1.0" encoding="utf-8"?>
+<p:notes xmlns:a="http://schemas.openxmlformats.org/drawingml/2006/main" xmlns:r="http://schemas.openxmlformats.org/officeDocument/2006/relationships" xmlns:p="http://schemas.openxmlformats.org/presentationml/2006/main">
+  <p:cSld>
+    <p:spTree>
+      <p:nvGrpSpPr>
+        <p:cNvPr id="1" name=""/>
+        <p:cNvGrpSpPr/>
+        <p:nvPr/>
+      </p:nvGrpSpPr>
+      <p:grpSpPr>
+        <a:xfrm>
+          <a:off x="0" y="0"/>
+          <a:ext cx="0" cy="0"/>
+          <a:chOff x="0" y="0"/>
+          <a:chExt cx="0" cy="0"/>
+        </a:xfrm>
+      </p:grpSpPr>
+      <p:sp>
+        <p:nvSpPr>
+          <p:cNvPr id="2" name="Slide Image Placeholder 1"/>
+          <p:cNvSpPr>
+            <a:spLocks noGrp="1" noRot="1" noChangeAspect="1"/>
+          </p:cNvSpPr>
+          <p:nvPr>
+            <p:ph type="sldImg"/>
+          </p:nvPr>
+        </p:nvSpPr>
+        <p:spPr/>
+      </p:sp>
+      <p:sp>
+        <p:nvSpPr>
+          <p:cNvPr id="3" name="Notes Placeholder 2"/>
+          <p:cNvSpPr>
+            <a:spLocks noGrp="1"/>
+          </p:cNvSpPr>
+          <p:nvPr>
+            <p:ph type="body" idx="1"/>
+          </p:nvPr>
+        </p:nvSpPr>
+        <p:spPr/>
+        <p:txBody>
+          <a:bodyPr/>
+          <a:lstStyle/>
           <a:p>
             <a:pPr marL="0" marR="0" lvl="0" indent="0" algn="l" defTabSz="914400" rtl="0" eaLnBrk="1" fontAlgn="auto" latinLnBrk="0" hangingPunct="1">
               <a:lnSpc>
@@ -764,7 +796,7 @@
                 <a:ea typeface="+mn-ea"/>
                 <a:cs typeface="+mn-cs"/>
               </a:rPr>
-              <a:t>[2] </a:t>
+              <a:t>[1] </a:t>
             </a:r>
             <a:r>
               <a:rPr lang="en-US" sz="1200" u="sng" kern="1200" dirty="0">
@@ -775,9 +807,9 @@
                 <a:latin typeface="+mn-lt"/>
                 <a:ea typeface="+mn-ea"/>
                 <a:cs typeface="+mn-cs"/>
-                <a:hlinkClick r:id="rId4"/>
+                <a:hlinkClick r:id="rId3"/>
               </a:rPr>
-              <a:t>https://datacatalog.worldbank.org/current-health-expenditure-gdp</a:t>
+              <a:t>https://www.who.int/health_financing/topics/resource-tracking/ghed-update/en/</a:t>
             </a:r>
             <a:endParaRPr lang="en-US" sz="1200" kern="1200" dirty="0">
               <a:solidFill>
@@ -817,10 +849,10 @@
                 <a:ea typeface="+mn-ea"/>
                 <a:cs typeface="+mn-cs"/>
               </a:rPr>
-              <a:t>[3] </a:t>
-            </a:r>
-            <a:r>
-              <a:rPr lang="en-US" sz="1200" kern="1200" dirty="0">
+              <a:t>[2] </a:t>
+            </a:r>
+            <a:r>
+              <a:rPr lang="en-US" sz="1200" u="sng" kern="1200" dirty="0">
                 <a:solidFill>
                   <a:schemeClr val="tx1"/>
                 </a:solidFill>
@@ -828,9 +860,9 @@
                 <a:latin typeface="+mn-lt"/>
                 <a:ea typeface="+mn-ea"/>
                 <a:cs typeface="+mn-cs"/>
-                <a:hlinkClick r:id="rId5"/>
+                <a:hlinkClick r:id="rId4"/>
               </a:rPr>
-              <a:t>https://www.who.int/gho/health_financing/health_expenditure/en/</a:t>
+              <a:t>https://datacatalog.worldbank.org/current-health-expenditure-gdp</a:t>
             </a:r>
             <a:endParaRPr lang="en-US" sz="1200" kern="1200" dirty="0">
               <a:solidFill>
@@ -861,6 +893,59 @@
               <a:defRPr/>
             </a:pPr>
             <a:r>
+              <a:rPr lang="en-US" sz="1200" kern="1200" dirty="0">
+                <a:solidFill>
+                  <a:schemeClr val="tx1"/>
+                </a:solidFill>
+                <a:effectLst/>
+                <a:latin typeface="+mn-lt"/>
+                <a:ea typeface="+mn-ea"/>
+                <a:cs typeface="+mn-cs"/>
+              </a:rPr>
+              <a:t>[3] </a:t>
+            </a:r>
+            <a:r>
+              <a:rPr lang="en-US" sz="1200" kern="1200" dirty="0">
+                <a:solidFill>
+                  <a:schemeClr val="tx1"/>
+                </a:solidFill>
+                <a:effectLst/>
+                <a:latin typeface="+mn-lt"/>
+                <a:ea typeface="+mn-ea"/>
+                <a:cs typeface="+mn-cs"/>
+                <a:hlinkClick r:id="rId5"/>
+              </a:rPr>
+              <a:t>https://www.who.int/gho/health_financing/health_expenditure/en/</a:t>
+            </a:r>
+            <a:endParaRPr lang="en-US" sz="1200" kern="1200" dirty="0">
+              <a:solidFill>
+                <a:schemeClr val="tx1"/>
+              </a:solidFill>
+              <a:effectLst/>
+              <a:latin typeface="+mn-lt"/>
+              <a:ea typeface="+mn-ea"/>
+              <a:cs typeface="+mn-cs"/>
+            </a:endParaRPr>
+          </a:p>
+          <a:p>
+            <a:pPr marL="0" marR="0" lvl="0" indent="0" algn="l" defTabSz="914400" rtl="0" eaLnBrk="1" fontAlgn="auto" latinLnBrk="0" hangingPunct="1">
+              <a:lnSpc>
+                <a:spcPct val="100000"/>
+              </a:lnSpc>
+              <a:spcBef>
+                <a:spcPts val="0"/>
+              </a:spcBef>
+              <a:spcAft>
+                <a:spcPts val="0"/>
+              </a:spcAft>
+              <a:buClrTx/>
+              <a:buSzTx/>
+              <a:buFontTx/>
+              <a:buNone/>
+              <a:tabLst/>
+              <a:defRPr/>
+            </a:pPr>
+            <a:r>
               <a:rPr lang="en-US" dirty="0"/>
               <a:t>[4]</a:t>
             </a:r>
@@ -909,7 +994,7 @@
           <a:p>
             <a:fld id="{56B17D78-F1C7-4592-8843-493934A58F74}" type="slidenum">
               <a:rPr lang="en-US" smtClean="0"/>
-              <a:t>10</a:t>
+              <a:t>11</a:t>
             </a:fld>
             <a:endParaRPr lang="en-US"/>
           </a:p>
@@ -1103,7 +1188,7 @@
             <a:fld id="{8AECDF24-0F62-6442-A2C0-578570B09936}" type="datetimeFigureOut">
               <a:rPr lang="en-US" smtClean="0"/>
               <a:pPr/>
-              <a:t>4/7/20</a:t>
+              <a:t>4/11/20</a:t>
             </a:fld>
             <a:endParaRPr lang="en-US"/>
           </a:p>
@@ -1320,7 +1405,7 @@
           <a:p>
             <a:fld id="{8AECDF24-0F62-6442-A2C0-578570B09936}" type="datetimeFigureOut">
               <a:rPr lang="en-US" smtClean="0"/>
-              <a:t>4/7/20</a:t>
+              <a:t>4/11/20</a:t>
             </a:fld>
             <a:endParaRPr lang="en-US"/>
           </a:p>
@@ -1528,7 +1613,7 @@
           <a:p>
             <a:fld id="{8AECDF24-0F62-6442-A2C0-578570B09936}" type="datetimeFigureOut">
               <a:rPr lang="en-US" smtClean="0"/>
-              <a:t>4/7/20</a:t>
+              <a:t>4/11/20</a:t>
             </a:fld>
             <a:endParaRPr lang="en-US"/>
           </a:p>
@@ -1765,7 +1850,7 @@
             <a:fld id="{8AECDF24-0F62-6442-A2C0-578570B09936}" type="datetimeFigureOut">
               <a:rPr lang="en-US" smtClean="0"/>
               <a:pPr/>
-              <a:t>4/7/20</a:t>
+              <a:t>4/11/20</a:t>
             </a:fld>
             <a:endParaRPr lang="en-US"/>
           </a:p>
@@ -2165,7 +2250,7 @@
             <a:fld id="{8AECDF24-0F62-6442-A2C0-578570B09936}" type="datetimeFigureOut">
               <a:rPr lang="en-US" smtClean="0"/>
               <a:pPr/>
-              <a:t>4/7/20</a:t>
+              <a:t>4/11/20</a:t>
             </a:fld>
             <a:endParaRPr lang="en-US"/>
           </a:p>
@@ -2443,7 +2528,7 @@
           <a:p>
             <a:fld id="{8AECDF24-0F62-6442-A2C0-578570B09936}" type="datetimeFigureOut">
               <a:rPr lang="en-US" smtClean="0"/>
-              <a:t>4/7/20</a:t>
+              <a:t>4/11/20</a:t>
             </a:fld>
             <a:endParaRPr lang="en-US"/>
           </a:p>
@@ -2957,7 +3042,7 @@
           <a:p>
             <a:fld id="{8AECDF24-0F62-6442-A2C0-578570B09936}" type="datetimeFigureOut">
               <a:rPr lang="en-US" smtClean="0"/>
-              <a:t>4/7/20</a:t>
+              <a:t>4/11/20</a:t>
             </a:fld>
             <a:endParaRPr lang="en-US"/>
           </a:p>
@@ -3098,7 +3183,7 @@
           <a:p>
             <a:fld id="{8AECDF24-0F62-6442-A2C0-578570B09936}" type="datetimeFigureOut">
               <a:rPr lang="en-US" smtClean="0"/>
-              <a:t>4/7/20</a:t>
+              <a:t>4/11/20</a:t>
             </a:fld>
             <a:endParaRPr lang="en-US"/>
           </a:p>
@@ -3211,7 +3296,7 @@
           <a:p>
             <a:fld id="{8AECDF24-0F62-6442-A2C0-578570B09936}" type="datetimeFigureOut">
               <a:rPr lang="en-US" smtClean="0"/>
-              <a:t>4/7/20</a:t>
+              <a:t>4/11/20</a:t>
             </a:fld>
             <a:endParaRPr lang="en-US"/>
           </a:p>
@@ -3522,7 +3607,7 @@
           <a:p>
             <a:fld id="{8AECDF24-0F62-6442-A2C0-578570B09936}" type="datetimeFigureOut">
               <a:rPr lang="en-US" smtClean="0"/>
-              <a:t>4/7/20</a:t>
+              <a:t>4/11/20</a:t>
             </a:fld>
             <a:endParaRPr lang="en-US"/>
           </a:p>
@@ -3810,7 +3895,7 @@
           <a:p>
             <a:fld id="{8AECDF24-0F62-6442-A2C0-578570B09936}" type="datetimeFigureOut">
               <a:rPr lang="en-US" smtClean="0"/>
-              <a:t>4/7/20</a:t>
+              <a:t>4/11/20</a:t>
             </a:fld>
             <a:endParaRPr lang="en-US"/>
           </a:p>
@@ -4051,7 +4136,7 @@
           <a:p>
             <a:fld id="{8AECDF24-0F62-6442-A2C0-578570B09936}" type="datetimeFigureOut">
               <a:rPr lang="en-US" smtClean="0"/>
-              <a:t>4/7/20</a:t>
+              <a:t>4/11/20</a:t>
             </a:fld>
             <a:endParaRPr lang="en-US"/>
           </a:p>
@@ -4586,6 +4671,125 @@
           <a:chExt cx="0" cy="0"/>
         </a:xfrm>
       </p:grpSpPr>
+      <p:sp>
+        <p:nvSpPr>
+          <p:cNvPr id="2" name="Title 1">
+            <a:extLst>
+              <a:ext uri="{FF2B5EF4-FFF2-40B4-BE49-F238E27FC236}">
+                <a16:creationId xmlns:a16="http://schemas.microsoft.com/office/drawing/2014/main" id="{FE65C610-98C4-4732-81F8-489E110900B8}"/>
+              </a:ext>
+            </a:extLst>
+          </p:cNvPr>
+          <p:cNvSpPr>
+            <a:spLocks noGrp="1"/>
+          </p:cNvSpPr>
+          <p:nvPr>
+            <p:ph type="title"/>
+          </p:nvPr>
+        </p:nvSpPr>
+        <p:spPr/>
+        <p:txBody>
+          <a:bodyPr/>
+          <a:lstStyle/>
+          <a:p>
+            <a:r>
+              <a:rPr lang="en-US" dirty="0"/>
+              <a:t>Chosen Model</a:t>
+            </a:r>
+          </a:p>
+        </p:txBody>
+      </p:sp>
+      <p:sp>
+        <p:nvSpPr>
+          <p:cNvPr id="3" name="Content Placeholder 2">
+            <a:extLst>
+              <a:ext uri="{FF2B5EF4-FFF2-40B4-BE49-F238E27FC236}">
+                <a16:creationId xmlns:a16="http://schemas.microsoft.com/office/drawing/2014/main" id="{D0032FB9-CD46-4003-B3D0-BA96497A9FF6}"/>
+              </a:ext>
+            </a:extLst>
+          </p:cNvPr>
+          <p:cNvSpPr>
+            <a:spLocks noGrp="1"/>
+          </p:cNvSpPr>
+          <p:nvPr>
+            <p:ph idx="1"/>
+          </p:nvPr>
+        </p:nvSpPr>
+        <p:spPr/>
+        <p:txBody>
+          <a:bodyPr/>
+          <a:lstStyle/>
+          <a:p>
+            <a:r>
+              <a:rPr lang="en-US" dirty="0" err="1"/>
+              <a:t>qqOsman</a:t>
+            </a:r>
+            <a:endParaRPr lang="en-US" dirty="0"/>
+          </a:p>
+          <a:p>
+            <a:r>
+              <a:rPr lang="en-US" dirty="0"/>
+              <a:t>Show the model</a:t>
+            </a:r>
+          </a:p>
+          <a:p>
+            <a:pPr lvl="1"/>
+            <a:r>
+              <a:rPr lang="en-US" dirty="0"/>
+              <a:t>Very brief</a:t>
+            </a:r>
+          </a:p>
+          <a:p>
+            <a:pPr lvl="1"/>
+            <a:r>
+              <a:rPr lang="en-US" dirty="0"/>
+              <a:t>Show data transformations</a:t>
+            </a:r>
+          </a:p>
+          <a:p>
+            <a:r>
+              <a:rPr lang="en-US" dirty="0"/>
+              <a:t>Which Inputs were dropped</a:t>
+            </a:r>
+          </a:p>
+          <a:p>
+            <a:r>
+              <a:rPr lang="en-US" dirty="0"/>
+              <a:t>Model Explanation in later sections</a:t>
+            </a:r>
+          </a:p>
+        </p:txBody>
+      </p:sp>
+    </p:spTree>
+    <p:extLst>
+      <p:ext uri="{BB962C8B-B14F-4D97-AF65-F5344CB8AC3E}">
+        <p14:creationId xmlns:p14="http://schemas.microsoft.com/office/powerpoint/2010/main" val="248237869"/>
+      </p:ext>
+    </p:extLst>
+  </p:cSld>
+  <p:clrMapOvr>
+    <a:masterClrMapping/>
+  </p:clrMapOvr>
+</p:sld>
+</file>
+
+<file path=ppt/slides/slide11.xml><?xml version="1.0" encoding="utf-8"?>
+<p:sld xmlns:a="http://schemas.openxmlformats.org/drawingml/2006/main" xmlns:r="http://schemas.openxmlformats.org/officeDocument/2006/relationships" xmlns:p="http://schemas.openxmlformats.org/presentationml/2006/main">
+  <p:cSld>
+    <p:spTree>
+      <p:nvGrpSpPr>
+        <p:cNvPr id="1" name=""/>
+        <p:cNvGrpSpPr/>
+        <p:nvPr/>
+      </p:nvGrpSpPr>
+      <p:grpSpPr>
+        <a:xfrm>
+          <a:off x="0" y="0"/>
+          <a:ext cx="0" cy="0"/>
+          <a:chOff x="0" y="0"/>
+          <a:chExt cx="0" cy="0"/>
+        </a:xfrm>
+      </p:grpSpPr>
       <p:pic>
         <p:nvPicPr>
           <p:cNvPr id="1026" name="Picture 2" descr="WHO Ranks Healthcare Around the World - BORGEN">
@@ -4728,7 +4932,7 @@
 </p:sld>
 </file>
 
-<file path=ppt/slides/slide11.xml><?xml version="1.0" encoding="utf-8"?>
+<file path=ppt/slides/slide12.xml><?xml version="1.0" encoding="utf-8"?>
 <p:sld xmlns:a="http://schemas.openxmlformats.org/drawingml/2006/main" xmlns:r="http://schemas.openxmlformats.org/officeDocument/2006/relationships" xmlns:p="http://schemas.openxmlformats.org/presentationml/2006/main">
   <p:cSld>
     <p:spTree>
@@ -4908,7 +5112,7 @@
 </p:sld>
 </file>
 
-<file path=ppt/slides/slide12.xml><?xml version="1.0" encoding="utf-8"?>
+<file path=ppt/slides/slide13.xml><?xml version="1.0" encoding="utf-8"?>
 <p:sld xmlns:a="http://schemas.openxmlformats.org/drawingml/2006/main" xmlns:r="http://schemas.openxmlformats.org/officeDocument/2006/relationships" xmlns:p="http://schemas.openxmlformats.org/presentationml/2006/main">
   <p:cSld>
     <p:spTree>
@@ -5028,7 +5232,7 @@
 </p:sld>
 </file>
 
-<file path=ppt/slides/slide13.xml><?xml version="1.0" encoding="utf-8"?>
+<file path=ppt/slides/slide14.xml><?xml version="1.0" encoding="utf-8"?>
 <p:sld xmlns:a="http://schemas.openxmlformats.org/drawingml/2006/main" xmlns:r="http://schemas.openxmlformats.org/officeDocument/2006/relationships" xmlns:p="http://schemas.openxmlformats.org/presentationml/2006/main">
   <p:cSld>
     <p:spTree>
@@ -5120,72 +5324,6 @@
 </p:sld>
 </file>
 
-<file path=ppt/slides/slide14.xml><?xml version="1.0" encoding="utf-8"?>
-<p:sld xmlns:a="http://schemas.openxmlformats.org/drawingml/2006/main" xmlns:r="http://schemas.openxmlformats.org/officeDocument/2006/relationships" xmlns:p="http://schemas.openxmlformats.org/presentationml/2006/main">
-  <p:cSld>
-    <p:spTree>
-      <p:nvGrpSpPr>
-        <p:cNvPr id="1" name=""/>
-        <p:cNvGrpSpPr/>
-        <p:nvPr/>
-      </p:nvGrpSpPr>
-      <p:grpSpPr>
-        <a:xfrm>
-          <a:off x="0" y="0"/>
-          <a:ext cx="0" cy="0"/>
-          <a:chOff x="0" y="0"/>
-          <a:chExt cx="0" cy="0"/>
-        </a:xfrm>
-      </p:grpSpPr>
-      <p:sp>
-        <p:nvSpPr>
-          <p:cNvPr id="4" name="Title 3">
-            <a:extLst>
-              <a:ext uri="{FF2B5EF4-FFF2-40B4-BE49-F238E27FC236}">
-                <a16:creationId xmlns:a16="http://schemas.microsoft.com/office/drawing/2014/main" id="{B9E80BC2-4589-4F4D-8C68-24FFC67D1426}"/>
-              </a:ext>
-            </a:extLst>
-          </p:cNvPr>
-          <p:cNvSpPr>
-            <a:spLocks noGrp="1"/>
-          </p:cNvSpPr>
-          <p:nvPr>
-            <p:ph type="ctrTitle"/>
-          </p:nvPr>
-        </p:nvSpPr>
-        <p:spPr>
-          <a:xfrm>
-            <a:off x="416859" y="1122363"/>
-            <a:ext cx="10838329" cy="2387600"/>
-          </a:xfrm>
-        </p:spPr>
-        <p:txBody>
-          <a:bodyPr>
-            <a:normAutofit/>
-          </a:bodyPr>
-          <a:lstStyle/>
-          <a:p>
-            <a:pPr algn="l"/>
-            <a:r>
-              <a:rPr lang="en-US" sz="3600" dirty="0"/>
-              <a:t>Regression Model</a:t>
-            </a:r>
-          </a:p>
-        </p:txBody>
-      </p:sp>
-    </p:spTree>
-    <p:extLst>
-      <p:ext uri="{BB962C8B-B14F-4D97-AF65-F5344CB8AC3E}">
-        <p14:creationId xmlns:p14="http://schemas.microsoft.com/office/powerpoint/2010/main" val="2366447657"/>
-      </p:ext>
-    </p:extLst>
-  </p:cSld>
-  <p:clrMapOvr>
-    <a:masterClrMapping/>
-  </p:clrMapOvr>
-</p:sld>
-</file>
-
 <file path=ppt/slides/slide15.xml><?xml version="1.0" encoding="utf-8"?>
 <p:sld xmlns:a="http://schemas.openxmlformats.org/drawingml/2006/main" xmlns:r="http://schemas.openxmlformats.org/officeDocument/2006/relationships" xmlns:p="http://schemas.openxmlformats.org/presentationml/2006/main">
   <p:cSld>
@@ -5205,69 +5343,44 @@
       </p:grpSpPr>
       <p:sp>
         <p:nvSpPr>
-          <p:cNvPr id="2" name="Title 1">
-            <a:extLst>
-              <a:ext uri="{FF2B5EF4-FFF2-40B4-BE49-F238E27FC236}">
-                <a16:creationId xmlns:a16="http://schemas.microsoft.com/office/drawing/2014/main" id="{E3D71C4E-63CB-4FE7-B972-B803D7679B03}"/>
-              </a:ext>
-            </a:extLst>
-          </p:cNvPr>
-          <p:cNvSpPr>
-            <a:spLocks noGrp="1"/>
-          </p:cNvSpPr>
-          <p:nvPr>
-            <p:ph type="title"/>
-          </p:nvPr>
-        </p:nvSpPr>
-        <p:spPr/>
-        <p:txBody>
-          <a:bodyPr/>
-          <a:lstStyle/>
-          <a:p>
-            <a:r>
-              <a:rPr lang="en-US" dirty="0"/>
-              <a:t>Model Creation</a:t>
-            </a:r>
-          </a:p>
-        </p:txBody>
-      </p:sp>
-      <p:sp>
-        <p:nvSpPr>
-          <p:cNvPr id="3" name="Content Placeholder 2">
-            <a:extLst>
-              <a:ext uri="{FF2B5EF4-FFF2-40B4-BE49-F238E27FC236}">
-                <a16:creationId xmlns:a16="http://schemas.microsoft.com/office/drawing/2014/main" id="{0E62FB0E-6CF7-48F8-8A90-0CDCAE26F087}"/>
-              </a:ext>
-            </a:extLst>
-          </p:cNvPr>
-          <p:cNvSpPr>
-            <a:spLocks noGrp="1"/>
-          </p:cNvSpPr>
-          <p:nvPr>
-            <p:ph idx="1"/>
-          </p:nvPr>
-        </p:nvSpPr>
-        <p:spPr/>
-        <p:txBody>
-          <a:bodyPr/>
-          <a:lstStyle/>
-          <a:p>
-            <a:pPr fontAlgn="base"/>
-            <a:r>
-              <a:rPr lang="en-US" dirty="0" err="1"/>
-              <a:t>qqOsman</a:t>
-            </a:r>
-            <a:endParaRPr lang="en-US" dirty="0"/>
-          </a:p>
-          <a:p>
-            <a:endParaRPr lang="en-US" dirty="0"/>
+          <p:cNvPr id="4" name="Title 3">
+            <a:extLst>
+              <a:ext uri="{FF2B5EF4-FFF2-40B4-BE49-F238E27FC236}">
+                <a16:creationId xmlns:a16="http://schemas.microsoft.com/office/drawing/2014/main" id="{B9E80BC2-4589-4F4D-8C68-24FFC67D1426}"/>
+              </a:ext>
+            </a:extLst>
+          </p:cNvPr>
+          <p:cNvSpPr>
+            <a:spLocks noGrp="1"/>
+          </p:cNvSpPr>
+          <p:nvPr>
+            <p:ph type="ctrTitle"/>
+          </p:nvPr>
+        </p:nvSpPr>
+        <p:spPr>
+          <a:xfrm>
+            <a:off x="416859" y="1122363"/>
+            <a:ext cx="10838329" cy="2387600"/>
+          </a:xfrm>
+        </p:spPr>
+        <p:txBody>
+          <a:bodyPr>
+            <a:normAutofit/>
+          </a:bodyPr>
+          <a:lstStyle/>
+          <a:p>
+            <a:pPr algn="l"/>
+            <a:r>
+              <a:rPr lang="en-US" sz="3600" dirty="0"/>
+              <a:t>Regression Model</a:t>
+            </a:r>
           </a:p>
         </p:txBody>
       </p:sp>
     </p:spTree>
     <p:extLst>
       <p:ext uri="{BB962C8B-B14F-4D97-AF65-F5344CB8AC3E}">
-        <p14:creationId xmlns:p14="http://schemas.microsoft.com/office/powerpoint/2010/main" val="1998129388"/>
+        <p14:creationId xmlns:p14="http://schemas.microsoft.com/office/powerpoint/2010/main" val="2366447657"/>
       </p:ext>
     </p:extLst>
   </p:cSld>
@@ -5299,7 +5412,7 @@
           <p:cNvPr id="2" name="Title 1">
             <a:extLst>
               <a:ext uri="{FF2B5EF4-FFF2-40B4-BE49-F238E27FC236}">
-                <a16:creationId xmlns:a16="http://schemas.microsoft.com/office/drawing/2014/main" id="{797AEA03-72AA-4A62-9C5E-93A1D60018B1}"/>
+                <a16:creationId xmlns:a16="http://schemas.microsoft.com/office/drawing/2014/main" id="{E3D71C4E-63CB-4FE7-B972-B803D7679B03}"/>
               </a:ext>
             </a:extLst>
           </p:cNvPr>
@@ -5317,7 +5430,7 @@
           <a:p>
             <a:r>
               <a:rPr lang="en-US" dirty="0"/>
-              <a:t>Model Refinement</a:t>
+              <a:t>Model Creation</a:t>
             </a:r>
           </a:p>
         </p:txBody>
@@ -5327,7 +5440,7 @@
           <p:cNvPr id="3" name="Content Placeholder 2">
             <a:extLst>
               <a:ext uri="{FF2B5EF4-FFF2-40B4-BE49-F238E27FC236}">
-                <a16:creationId xmlns:a16="http://schemas.microsoft.com/office/drawing/2014/main" id="{0872993A-5D50-4F30-BA62-56A008497EB7}"/>
+                <a16:creationId xmlns:a16="http://schemas.microsoft.com/office/drawing/2014/main" id="{0E62FB0E-6CF7-48F8-8A90-0CDCAE26F087}"/>
               </a:ext>
             </a:extLst>
           </p:cNvPr>
@@ -5343,10 +5456,14 @@
           <a:bodyPr/>
           <a:lstStyle/>
           <a:p>
+            <a:pPr fontAlgn="base"/>
             <a:r>
               <a:rPr lang="en-US" dirty="0" err="1"/>
               <a:t>qqOsman</a:t>
             </a:r>
+            <a:endParaRPr lang="en-US" dirty="0"/>
+          </a:p>
+          <a:p>
             <a:endParaRPr lang="en-US" dirty="0"/>
           </a:p>
         </p:txBody>
@@ -5354,7 +5471,7 @@
     </p:spTree>
     <p:extLst>
       <p:ext uri="{BB962C8B-B14F-4D97-AF65-F5344CB8AC3E}">
-        <p14:creationId xmlns:p14="http://schemas.microsoft.com/office/powerpoint/2010/main" val="3407115648"/>
+        <p14:creationId xmlns:p14="http://schemas.microsoft.com/office/powerpoint/2010/main" val="1998129388"/>
       </p:ext>
     </p:extLst>
   </p:cSld>
@@ -5386,7 +5503,7 @@
           <p:cNvPr id="2" name="Title 1">
             <a:extLst>
               <a:ext uri="{FF2B5EF4-FFF2-40B4-BE49-F238E27FC236}">
-                <a16:creationId xmlns:a16="http://schemas.microsoft.com/office/drawing/2014/main" id="{1180966A-6DCE-45CB-B2B4-A4CB78B27016}"/>
+                <a16:creationId xmlns:a16="http://schemas.microsoft.com/office/drawing/2014/main" id="{797AEA03-72AA-4A62-9C5E-93A1D60018B1}"/>
               </a:ext>
             </a:extLst>
           </p:cNvPr>
@@ -5404,7 +5521,7 @@
           <a:p>
             <a:r>
               <a:rPr lang="en-US" dirty="0"/>
-              <a:t>Model Limitations</a:t>
+              <a:t>Model Refinement</a:t>
             </a:r>
           </a:p>
         </p:txBody>
@@ -5414,7 +5531,7 @@
           <p:cNvPr id="3" name="Content Placeholder 2">
             <a:extLst>
               <a:ext uri="{FF2B5EF4-FFF2-40B4-BE49-F238E27FC236}">
-                <a16:creationId xmlns:a16="http://schemas.microsoft.com/office/drawing/2014/main" id="{57574260-73D6-4C2F-B05F-DA8EA9C8CA88}"/>
+                <a16:creationId xmlns:a16="http://schemas.microsoft.com/office/drawing/2014/main" id="{0872993A-5D50-4F30-BA62-56A008497EB7}"/>
               </a:ext>
             </a:extLst>
           </p:cNvPr>
@@ -5441,7 +5558,7 @@
     </p:spTree>
     <p:extLst>
       <p:ext uri="{BB962C8B-B14F-4D97-AF65-F5344CB8AC3E}">
-        <p14:creationId xmlns:p14="http://schemas.microsoft.com/office/powerpoint/2010/main" val="1698259041"/>
+        <p14:creationId xmlns:p14="http://schemas.microsoft.com/office/powerpoint/2010/main" val="3407115648"/>
       </p:ext>
     </p:extLst>
   </p:cSld>
@@ -5473,7 +5590,7 @@
           <p:cNvPr id="2" name="Title 1">
             <a:extLst>
               <a:ext uri="{FF2B5EF4-FFF2-40B4-BE49-F238E27FC236}">
-                <a16:creationId xmlns:a16="http://schemas.microsoft.com/office/drawing/2014/main" id="{A58B4A80-B4DD-4EFB-80F6-CE4AED5F00B1}"/>
+                <a16:creationId xmlns:a16="http://schemas.microsoft.com/office/drawing/2014/main" id="{1180966A-6DCE-45CB-B2B4-A4CB78B27016}"/>
               </a:ext>
             </a:extLst>
           </p:cNvPr>
@@ -5491,7 +5608,7 @@
           <a:p>
             <a:r>
               <a:rPr lang="en-US" dirty="0"/>
-              <a:t>Model Outcomes</a:t>
+              <a:t>Model Limitations</a:t>
             </a:r>
           </a:p>
         </p:txBody>
@@ -5501,7 +5618,7 @@
           <p:cNvPr id="3" name="Content Placeholder 2">
             <a:extLst>
               <a:ext uri="{FF2B5EF4-FFF2-40B4-BE49-F238E27FC236}">
-                <a16:creationId xmlns:a16="http://schemas.microsoft.com/office/drawing/2014/main" id="{43DD36A2-8495-431F-83BA-B5F0C4C38CFB}"/>
+                <a16:creationId xmlns:a16="http://schemas.microsoft.com/office/drawing/2014/main" id="{57574260-73D6-4C2F-B05F-DA8EA9C8CA88}"/>
               </a:ext>
             </a:extLst>
           </p:cNvPr>
@@ -5528,7 +5645,7 @@
     </p:spTree>
     <p:extLst>
       <p:ext uri="{BB962C8B-B14F-4D97-AF65-F5344CB8AC3E}">
-        <p14:creationId xmlns:p14="http://schemas.microsoft.com/office/powerpoint/2010/main" val="202907545"/>
+        <p14:creationId xmlns:p14="http://schemas.microsoft.com/office/powerpoint/2010/main" val="1698259041"/>
       </p:ext>
     </p:extLst>
   </p:cSld>
@@ -5557,44 +5674,65 @@
       </p:grpSpPr>
       <p:sp>
         <p:nvSpPr>
-          <p:cNvPr id="4" name="Title 3">
-            <a:extLst>
-              <a:ext uri="{FF2B5EF4-FFF2-40B4-BE49-F238E27FC236}">
-                <a16:creationId xmlns:a16="http://schemas.microsoft.com/office/drawing/2014/main" id="{B9E80BC2-4589-4F4D-8C68-24FFC67D1426}"/>
-              </a:ext>
-            </a:extLst>
-          </p:cNvPr>
-          <p:cNvSpPr>
-            <a:spLocks noGrp="1"/>
-          </p:cNvSpPr>
-          <p:nvPr>
-            <p:ph type="ctrTitle"/>
-          </p:nvPr>
-        </p:nvSpPr>
-        <p:spPr>
-          <a:xfrm>
-            <a:off x="416859" y="1122363"/>
-            <a:ext cx="10838329" cy="2387600"/>
-          </a:xfrm>
-        </p:spPr>
-        <p:txBody>
-          <a:bodyPr>
-            <a:normAutofit/>
-          </a:bodyPr>
-          <a:lstStyle/>
-          <a:p>
-            <a:pPr algn="l"/>
-            <a:r>
-              <a:rPr lang="en-US" sz="3600" dirty="0"/>
-              <a:t>Research &amp; Data Analysis </a:t>
-            </a:r>
+          <p:cNvPr id="2" name="Title 1">
+            <a:extLst>
+              <a:ext uri="{FF2B5EF4-FFF2-40B4-BE49-F238E27FC236}">
+                <a16:creationId xmlns:a16="http://schemas.microsoft.com/office/drawing/2014/main" id="{A58B4A80-B4DD-4EFB-80F6-CE4AED5F00B1}"/>
+              </a:ext>
+            </a:extLst>
+          </p:cNvPr>
+          <p:cNvSpPr>
+            <a:spLocks noGrp="1"/>
+          </p:cNvSpPr>
+          <p:nvPr>
+            <p:ph type="title"/>
+          </p:nvPr>
+        </p:nvSpPr>
+        <p:spPr/>
+        <p:txBody>
+          <a:bodyPr/>
+          <a:lstStyle/>
+          <a:p>
+            <a:r>
+              <a:rPr lang="en-US" dirty="0"/>
+              <a:t>Model Outcomes</a:t>
+            </a:r>
+          </a:p>
+        </p:txBody>
+      </p:sp>
+      <p:sp>
+        <p:nvSpPr>
+          <p:cNvPr id="3" name="Content Placeholder 2">
+            <a:extLst>
+              <a:ext uri="{FF2B5EF4-FFF2-40B4-BE49-F238E27FC236}">
+                <a16:creationId xmlns:a16="http://schemas.microsoft.com/office/drawing/2014/main" id="{43DD36A2-8495-431F-83BA-B5F0C4C38CFB}"/>
+              </a:ext>
+            </a:extLst>
+          </p:cNvPr>
+          <p:cNvSpPr>
+            <a:spLocks noGrp="1"/>
+          </p:cNvSpPr>
+          <p:nvPr>
+            <p:ph idx="1"/>
+          </p:nvPr>
+        </p:nvSpPr>
+        <p:spPr/>
+        <p:txBody>
+          <a:bodyPr/>
+          <a:lstStyle/>
+          <a:p>
+            <a:r>
+              <a:rPr lang="en-US" dirty="0" err="1"/>
+              <a:t>qqOsman</a:t>
+            </a:r>
+            <a:endParaRPr lang="en-US" dirty="0"/>
           </a:p>
         </p:txBody>
       </p:sp>
     </p:spTree>
     <p:extLst>
       <p:ext uri="{BB962C8B-B14F-4D97-AF65-F5344CB8AC3E}">
-        <p14:creationId xmlns:p14="http://schemas.microsoft.com/office/powerpoint/2010/main" val="2442058615"/>
+        <p14:creationId xmlns:p14="http://schemas.microsoft.com/office/powerpoint/2010/main" val="202907545"/>
       </p:ext>
     </p:extLst>
   </p:cSld>
@@ -6304,88 +6442,36 @@
       </p:grpSpPr>
       <p:sp>
         <p:nvSpPr>
-          <p:cNvPr id="2" name="Title 1">
-            <a:extLst>
-              <a:ext uri="{FF2B5EF4-FFF2-40B4-BE49-F238E27FC236}">
-                <a16:creationId xmlns:a16="http://schemas.microsoft.com/office/drawing/2014/main" id="{624DC2CB-8BD0-C849-B52E-0F91A40C741E}"/>
-              </a:ext>
-            </a:extLst>
-          </p:cNvPr>
-          <p:cNvSpPr>
-            <a:spLocks noGrp="1"/>
-          </p:cNvSpPr>
-          <p:nvPr>
-            <p:ph type="title"/>
-          </p:nvPr>
-        </p:nvSpPr>
-        <p:spPr/>
-        <p:txBody>
-          <a:bodyPr/>
-          <a:lstStyle/>
-          <a:p>
-            <a:r>
-              <a:rPr lang="en-US" dirty="0"/>
-              <a:t>What Does the Data Tell Us?</a:t>
-            </a:r>
-          </a:p>
-        </p:txBody>
-      </p:sp>
-      <p:sp>
-        <p:nvSpPr>
-          <p:cNvPr id="3" name="Content Placeholder 2">
-            <a:extLst>
-              <a:ext uri="{FF2B5EF4-FFF2-40B4-BE49-F238E27FC236}">
-                <a16:creationId xmlns:a16="http://schemas.microsoft.com/office/drawing/2014/main" id="{399E939B-CD29-D445-B69B-5A724813DF0B}"/>
-              </a:ext>
-            </a:extLst>
-          </p:cNvPr>
-          <p:cNvSpPr>
-            <a:spLocks noGrp="1"/>
-          </p:cNvSpPr>
-          <p:nvPr>
-            <p:ph idx="1"/>
-          </p:nvPr>
-        </p:nvSpPr>
-        <p:spPr/>
-        <p:txBody>
-          <a:bodyPr/>
-          <a:lstStyle/>
-          <a:p>
-            <a:r>
-              <a:rPr lang="en-US" dirty="0"/>
-              <a:t>Sections:</a:t>
-            </a:r>
-          </a:p>
-          <a:p>
-            <a:endParaRPr lang="en-US" dirty="0"/>
-          </a:p>
-          <a:p>
-            <a:pPr lvl="1"/>
-            <a:r>
-              <a:rPr lang="en-US" dirty="0"/>
-              <a:t>Impact of Economic Indicators (GDP)</a:t>
-            </a:r>
-          </a:p>
-          <a:p>
-            <a:pPr lvl="1"/>
-            <a:endParaRPr lang="en-US" dirty="0"/>
-          </a:p>
-          <a:p>
-            <a:pPr lvl="1"/>
-            <a:r>
-              <a:rPr lang="en-US" dirty="0"/>
-              <a:t>Impact of Substance Abuse Indications (Alcohol Abuse)</a:t>
-            </a:r>
-          </a:p>
-          <a:p>
-            <a:pPr lvl="1"/>
-            <a:endParaRPr lang="en-US" dirty="0"/>
-          </a:p>
-          <a:p>
-            <a:pPr lvl="1"/>
-            <a:r>
-              <a:rPr lang="en-US" dirty="0"/>
-              <a:t>Impact of Mental Health Resources</a:t>
+          <p:cNvPr id="4" name="Title 3">
+            <a:extLst>
+              <a:ext uri="{FF2B5EF4-FFF2-40B4-BE49-F238E27FC236}">
+                <a16:creationId xmlns:a16="http://schemas.microsoft.com/office/drawing/2014/main" id="{B9E80BC2-4589-4F4D-8C68-24FFC67D1426}"/>
+              </a:ext>
+            </a:extLst>
+          </p:cNvPr>
+          <p:cNvSpPr>
+            <a:spLocks noGrp="1"/>
+          </p:cNvSpPr>
+          <p:nvPr>
+            <p:ph type="ctrTitle"/>
+          </p:nvPr>
+        </p:nvSpPr>
+        <p:spPr>
+          <a:xfrm>
+            <a:off x="416859" y="1122363"/>
+            <a:ext cx="10838329" cy="2387600"/>
+          </a:xfrm>
+        </p:spPr>
+        <p:txBody>
+          <a:bodyPr>
+            <a:normAutofit/>
+          </a:bodyPr>
+          <a:lstStyle/>
+          <a:p>
+            <a:pPr algn="l"/>
+            <a:r>
+              <a:rPr lang="en-US" sz="3600" dirty="0"/>
+              <a:t>Research &amp; Data Analysis </a:t>
             </a:r>
           </a:p>
         </p:txBody>
@@ -6393,7 +6479,7 @@
     </p:spTree>
     <p:extLst>
       <p:ext uri="{BB962C8B-B14F-4D97-AF65-F5344CB8AC3E}">
-        <p14:creationId xmlns:p14="http://schemas.microsoft.com/office/powerpoint/2010/main" val="182351577"/>
+        <p14:creationId xmlns:p14="http://schemas.microsoft.com/office/powerpoint/2010/main" val="2442058615"/>
       </p:ext>
     </p:extLst>
   </p:cSld>
@@ -6443,7 +6529,7 @@
           <a:p>
             <a:r>
               <a:rPr lang="en-US" dirty="0"/>
-              <a:t>Impact of Wealth, Country Level Economic Indicators</a:t>
+              <a:t>What Does the Data Tell Us?</a:t>
             </a:r>
           </a:p>
         </p:txBody>
@@ -6471,55 +6557,47 @@
           <a:p>
             <a:r>
               <a:rPr lang="en-US" dirty="0"/>
-              <a:t>Exploratory Analysis - Visual</a:t>
+              <a:t>Sections:</a:t>
             </a:r>
           </a:p>
           <a:p>
             <a:endParaRPr lang="en-US" dirty="0"/>
           </a:p>
           <a:p>
+            <a:pPr lvl="1"/>
             <a:r>
               <a:rPr lang="en-US" dirty="0"/>
-              <a:t>Testing (Hypothesis etc.)</a:t>
-            </a:r>
-          </a:p>
-          <a:p>
+              <a:t>Impact of Economic Indicators (GDP)</a:t>
+            </a:r>
+          </a:p>
+          <a:p>
+            <a:pPr lvl="1"/>
             <a:endParaRPr lang="en-US" dirty="0"/>
           </a:p>
           <a:p>
-            <a:r>
-              <a:rPr lang="en-US" dirty="0" err="1"/>
-              <a:t>Elasiticity</a:t>
-            </a:r>
+            <a:pPr lvl="1"/>
             <a:r>
               <a:rPr lang="en-US" dirty="0"/>
-              <a:t>/impact on our outcome</a:t>
-            </a:r>
-          </a:p>
-          <a:p>
+              <a:t>Impact of Substance Abuse Indications (Alcohol Abuse)</a:t>
+            </a:r>
+          </a:p>
+          <a:p>
+            <a:pPr lvl="1"/>
             <a:endParaRPr lang="en-US" dirty="0"/>
           </a:p>
           <a:p>
+            <a:pPr lvl="1"/>
             <a:r>
               <a:rPr lang="en-US" dirty="0"/>
-              <a:t>What policy makers should know</a:t>
-            </a:r>
-          </a:p>
-          <a:p>
-            <a:endParaRPr lang="en-US" dirty="0"/>
-          </a:p>
-          <a:p>
-            <a:endParaRPr lang="en-US" dirty="0"/>
-          </a:p>
-          <a:p>
-            <a:endParaRPr lang="en-US" dirty="0"/>
+              <a:t>Impact of Mental Health Resources</a:t>
+            </a:r>
           </a:p>
         </p:txBody>
       </p:sp>
     </p:spTree>
     <p:extLst>
       <p:ext uri="{BB962C8B-B14F-4D97-AF65-F5344CB8AC3E}">
-        <p14:creationId xmlns:p14="http://schemas.microsoft.com/office/powerpoint/2010/main" val="1808011340"/>
+        <p14:creationId xmlns:p14="http://schemas.microsoft.com/office/powerpoint/2010/main" val="182351577"/>
       </p:ext>
     </p:extLst>
   </p:cSld>
@@ -6569,7 +6647,7 @@
           <a:p>
             <a:r>
               <a:rPr lang="en-US" dirty="0"/>
-              <a:t>Impact Alcohol Abuse</a:t>
+              <a:t>Impact of Wealth, Country Level Economic Indicators</a:t>
             </a:r>
           </a:p>
         </p:txBody>
@@ -6592,21 +6670,12 @@
         </p:nvSpPr>
         <p:spPr/>
         <p:txBody>
-          <a:bodyPr>
-            <a:normAutofit fontScale="77500" lnSpcReduction="20000"/>
-          </a:bodyPr>
+          <a:bodyPr/>
           <a:lstStyle/>
           <a:p>
             <a:r>
               <a:rPr lang="en-US" dirty="0"/>
-              <a:t>Exploratory Analysis – Visual</a:t>
-            </a:r>
-          </a:p>
-          <a:p>
-            <a:pPr lvl="1"/>
-            <a:r>
-              <a:rPr lang="en-US" dirty="0"/>
-              <a:t>An association exists between alcohol consumption and the rate of suicide.</a:t>
+              <a:t>Exploratory Analysis - Visual</a:t>
             </a:r>
           </a:p>
           <a:p>
@@ -6619,13 +6688,6 @@
             </a:r>
           </a:p>
           <a:p>
-            <a:pPr lvl="1"/>
-            <a:r>
-              <a:rPr lang="en-US" dirty="0"/>
-              <a:t>Countries with higher rates of alcohol consumption tend to have higher suicide rates. By reducing the amount of alcohol consumed, suicides will be reduced. </a:t>
-            </a:r>
-          </a:p>
-          <a:p>
             <a:endParaRPr lang="en-US" dirty="0"/>
           </a:p>
           <a:p>
@@ -6639,26 +6701,12 @@
             </a:r>
           </a:p>
           <a:p>
-            <a:pPr lvl="1"/>
+            <a:endParaRPr lang="en-US" dirty="0"/>
+          </a:p>
+          <a:p>
             <a:r>
               <a:rPr lang="en-US" dirty="0"/>
-              <a:t>Each X-unit increase/decrease in liters of alcohol consumed per capita resulted in Y-unit increase/decrease in the rate of suicide per capita.</a:t>
-            </a:r>
-          </a:p>
-          <a:p>
-            <a:endParaRPr lang="en-US" dirty="0"/>
-          </a:p>
-          <a:p>
-            <a:r>
-              <a:rPr lang="en-US" dirty="0"/>
-              <a:t>What policy makers should know and do</a:t>
-            </a:r>
-          </a:p>
-          <a:p>
-            <a:pPr lvl="1"/>
-            <a:r>
-              <a:rPr lang="en-US" dirty="0"/>
-              <a:t>Policy makers should consider implementing measures designed to mitigate the harmful use of alcohol as a means of reducing the rate of suicide.</a:t>
+              <a:t>What policy makers should know</a:t>
             </a:r>
           </a:p>
           <a:p>
@@ -6675,7 +6723,7 @@
     </p:spTree>
     <p:extLst>
       <p:ext uri="{BB962C8B-B14F-4D97-AF65-F5344CB8AC3E}">
-        <p14:creationId xmlns:p14="http://schemas.microsoft.com/office/powerpoint/2010/main" val="2733299390"/>
+        <p14:creationId xmlns:p14="http://schemas.microsoft.com/office/powerpoint/2010/main" val="1808011340"/>
       </p:ext>
     </p:extLst>
   </p:cSld>
@@ -6725,7 +6773,7 @@
           <a:p>
             <a:r>
               <a:rPr lang="en-US" dirty="0"/>
-              <a:t>Impact of Availability of Mental Health Resources</a:t>
+              <a:t>Impact Alcohol Abuse</a:t>
             </a:r>
           </a:p>
         </p:txBody>
@@ -6748,12 +6796,21 @@
         </p:nvSpPr>
         <p:spPr/>
         <p:txBody>
-          <a:bodyPr/>
+          <a:bodyPr>
+            <a:normAutofit fontScale="77500" lnSpcReduction="20000"/>
+          </a:bodyPr>
           <a:lstStyle/>
           <a:p>
             <a:r>
               <a:rPr lang="en-US" dirty="0"/>
-              <a:t>Exploratory Analysis - Visual</a:t>
+              <a:t>Exploratory Analysis – Visual</a:t>
+            </a:r>
+          </a:p>
+          <a:p>
+            <a:pPr lvl="1"/>
+            <a:r>
+              <a:rPr lang="en-US" dirty="0"/>
+              <a:t>An association exists between alcohol consumption and the rate of suicide.</a:t>
             </a:r>
           </a:p>
           <a:p>
@@ -6766,6 +6823,13 @@
             </a:r>
           </a:p>
           <a:p>
+            <a:pPr lvl="1"/>
+            <a:r>
+              <a:rPr lang="en-US" dirty="0"/>
+              <a:t>Countries with higher rates of alcohol consumption tend to have higher suicide rates. By reducing the amount of alcohol consumed, suicides will be reduced. </a:t>
+            </a:r>
+          </a:p>
+          <a:p>
             <a:endParaRPr lang="en-US" dirty="0"/>
           </a:p>
           <a:p>
@@ -6779,12 +6843,26 @@
             </a:r>
           </a:p>
           <a:p>
+            <a:pPr lvl="1"/>
+            <a:r>
+              <a:rPr lang="en-US" dirty="0"/>
+              <a:t>Each X-unit increase/decrease in liters of alcohol consumed per capita resulted in Y-unit increase/decrease in the rate of suicide per capita.</a:t>
+            </a:r>
+          </a:p>
+          <a:p>
             <a:endParaRPr lang="en-US" dirty="0"/>
           </a:p>
           <a:p>
             <a:r>
               <a:rPr lang="en-US" dirty="0"/>
-              <a:t>What policy makers should know</a:t>
+              <a:t>What policy makers should know and do</a:t>
+            </a:r>
+          </a:p>
+          <a:p>
+            <a:pPr lvl="1"/>
+            <a:r>
+              <a:rPr lang="en-US" dirty="0"/>
+              <a:t>Policy makers should consider implementing measures designed to mitigate the harmful use of alcohol as a means of reducing the rate of suicide.</a:t>
             </a:r>
           </a:p>
           <a:p>
@@ -6801,7 +6879,7 @@
     </p:spTree>
     <p:extLst>
       <p:ext uri="{BB962C8B-B14F-4D97-AF65-F5344CB8AC3E}">
-        <p14:creationId xmlns:p14="http://schemas.microsoft.com/office/powerpoint/2010/main" val="3553279853"/>
+        <p14:creationId xmlns:p14="http://schemas.microsoft.com/office/powerpoint/2010/main" val="2733299390"/>
       </p:ext>
     </p:extLst>
   </p:cSld>
@@ -6927,7 +7005,7 @@
     </p:spTree>
     <p:extLst>
       <p:ext uri="{BB962C8B-B14F-4D97-AF65-F5344CB8AC3E}">
-        <p14:creationId xmlns:p14="http://schemas.microsoft.com/office/powerpoint/2010/main" val="2745908012"/>
+        <p14:creationId xmlns:p14="http://schemas.microsoft.com/office/powerpoint/2010/main" val="3553279853"/>
       </p:ext>
     </p:extLst>
   </p:cSld>
@@ -6956,44 +7034,104 @@
       </p:grpSpPr>
       <p:sp>
         <p:nvSpPr>
-          <p:cNvPr id="4" name="Title 3">
-            <a:extLst>
-              <a:ext uri="{FF2B5EF4-FFF2-40B4-BE49-F238E27FC236}">
-                <a16:creationId xmlns:a16="http://schemas.microsoft.com/office/drawing/2014/main" id="{B9E80BC2-4589-4F4D-8C68-24FFC67D1426}"/>
-              </a:ext>
-            </a:extLst>
-          </p:cNvPr>
-          <p:cNvSpPr>
-            <a:spLocks noGrp="1"/>
-          </p:cNvSpPr>
-          <p:nvPr>
-            <p:ph type="ctrTitle"/>
-          </p:nvPr>
-        </p:nvSpPr>
-        <p:spPr>
-          <a:xfrm>
-            <a:off x="416859" y="1122363"/>
-            <a:ext cx="10838329" cy="2387600"/>
-          </a:xfrm>
-        </p:spPr>
-        <p:txBody>
-          <a:bodyPr>
-            <a:normAutofit/>
-          </a:bodyPr>
-          <a:lstStyle/>
-          <a:p>
-            <a:pPr algn="l"/>
-            <a:r>
-              <a:rPr lang="en-US" sz="3600" dirty="0"/>
-              <a:t>Recommendations &amp; Decision Making Support for Policy Makers (Prescriptive)</a:t>
-            </a:r>
+          <p:cNvPr id="2" name="Title 1">
+            <a:extLst>
+              <a:ext uri="{FF2B5EF4-FFF2-40B4-BE49-F238E27FC236}">
+                <a16:creationId xmlns:a16="http://schemas.microsoft.com/office/drawing/2014/main" id="{624DC2CB-8BD0-C849-B52E-0F91A40C741E}"/>
+              </a:ext>
+            </a:extLst>
+          </p:cNvPr>
+          <p:cNvSpPr>
+            <a:spLocks noGrp="1"/>
+          </p:cNvSpPr>
+          <p:nvPr>
+            <p:ph type="title"/>
+          </p:nvPr>
+        </p:nvSpPr>
+        <p:spPr/>
+        <p:txBody>
+          <a:bodyPr/>
+          <a:lstStyle/>
+          <a:p>
+            <a:r>
+              <a:rPr lang="en-US" dirty="0"/>
+              <a:t>Impact of Availability of Mental Health Resources</a:t>
+            </a:r>
+          </a:p>
+        </p:txBody>
+      </p:sp>
+      <p:sp>
+        <p:nvSpPr>
+          <p:cNvPr id="3" name="Content Placeholder 2">
+            <a:extLst>
+              <a:ext uri="{FF2B5EF4-FFF2-40B4-BE49-F238E27FC236}">
+                <a16:creationId xmlns:a16="http://schemas.microsoft.com/office/drawing/2014/main" id="{399E939B-CD29-D445-B69B-5A724813DF0B}"/>
+              </a:ext>
+            </a:extLst>
+          </p:cNvPr>
+          <p:cNvSpPr>
+            <a:spLocks noGrp="1"/>
+          </p:cNvSpPr>
+          <p:nvPr>
+            <p:ph idx="1"/>
+          </p:nvPr>
+        </p:nvSpPr>
+        <p:spPr/>
+        <p:txBody>
+          <a:bodyPr/>
+          <a:lstStyle/>
+          <a:p>
+            <a:r>
+              <a:rPr lang="en-US" dirty="0"/>
+              <a:t>Exploratory Analysis - Visual</a:t>
+            </a:r>
+          </a:p>
+          <a:p>
+            <a:endParaRPr lang="en-US" dirty="0"/>
+          </a:p>
+          <a:p>
+            <a:r>
+              <a:rPr lang="en-US" dirty="0"/>
+              <a:t>Testing (Hypothesis etc.)</a:t>
+            </a:r>
+          </a:p>
+          <a:p>
+            <a:endParaRPr lang="en-US" dirty="0"/>
+          </a:p>
+          <a:p>
+            <a:r>
+              <a:rPr lang="en-US" dirty="0" err="1"/>
+              <a:t>Elasiticity</a:t>
+            </a:r>
+            <a:r>
+              <a:rPr lang="en-US" dirty="0"/>
+              <a:t>/impact on our outcome</a:t>
+            </a:r>
+          </a:p>
+          <a:p>
+            <a:endParaRPr lang="en-US" dirty="0"/>
+          </a:p>
+          <a:p>
+            <a:r>
+              <a:rPr lang="en-US" dirty="0"/>
+              <a:t>What policy makers should know</a:t>
+            </a:r>
+          </a:p>
+          <a:p>
+            <a:endParaRPr lang="en-US" dirty="0"/>
+          </a:p>
+          <a:p>
+            <a:endParaRPr lang="en-US" dirty="0"/>
+          </a:p>
+          <a:p>
+            <a:endParaRPr lang="en-US" dirty="0"/>
           </a:p>
         </p:txBody>
       </p:sp>
     </p:spTree>
     <p:extLst>
       <p:ext uri="{BB962C8B-B14F-4D97-AF65-F5344CB8AC3E}">
-        <p14:creationId xmlns:p14="http://schemas.microsoft.com/office/powerpoint/2010/main" val="3276250105"/>
+        <p14:creationId xmlns:p14="http://schemas.microsoft.com/office/powerpoint/2010/main" val="2745908012"/>
       </p:ext>
     </p:extLst>
   </p:cSld>
@@ -7022,100 +7160,44 @@
       </p:grpSpPr>
       <p:sp>
         <p:nvSpPr>
-          <p:cNvPr id="2" name="Title 1">
-            <a:extLst>
-              <a:ext uri="{FF2B5EF4-FFF2-40B4-BE49-F238E27FC236}">
-                <a16:creationId xmlns:a16="http://schemas.microsoft.com/office/drawing/2014/main" id="{624DC2CB-8BD0-C849-B52E-0F91A40C741E}"/>
-              </a:ext>
-            </a:extLst>
-          </p:cNvPr>
-          <p:cNvSpPr>
-            <a:spLocks noGrp="1"/>
-          </p:cNvSpPr>
-          <p:nvPr>
-            <p:ph type="title"/>
-          </p:nvPr>
-        </p:nvSpPr>
-        <p:spPr/>
-        <p:txBody>
-          <a:bodyPr/>
-          <a:lstStyle/>
-          <a:p>
-            <a:r>
-              <a:rPr lang="en-US" dirty="0"/>
-              <a:t>What kind of Country Level Decision Making Support This Analysis Provides</a:t>
-            </a:r>
-          </a:p>
-        </p:txBody>
-      </p:sp>
-      <p:sp>
-        <p:nvSpPr>
-          <p:cNvPr id="3" name="Content Placeholder 2">
-            <a:extLst>
-              <a:ext uri="{FF2B5EF4-FFF2-40B4-BE49-F238E27FC236}">
-                <a16:creationId xmlns:a16="http://schemas.microsoft.com/office/drawing/2014/main" id="{399E939B-CD29-D445-B69B-5A724813DF0B}"/>
-              </a:ext>
-            </a:extLst>
-          </p:cNvPr>
-          <p:cNvSpPr>
-            <a:spLocks noGrp="1"/>
-          </p:cNvSpPr>
-          <p:nvPr>
-            <p:ph idx="1"/>
-          </p:nvPr>
-        </p:nvSpPr>
-        <p:spPr/>
-        <p:txBody>
-          <a:bodyPr/>
-          <a:lstStyle/>
-          <a:p>
-            <a:r>
-              <a:rPr lang="en-US" dirty="0"/>
-              <a:t>Justify investment and potential impact of decision making</a:t>
-            </a:r>
-          </a:p>
-          <a:p>
-            <a:endParaRPr lang="en-US" dirty="0"/>
-          </a:p>
-          <a:p>
-            <a:r>
-              <a:rPr lang="en-US" dirty="0"/>
-              <a:t>Bringing up statistics that would motivate decision makers</a:t>
-            </a:r>
-          </a:p>
-          <a:p>
-            <a:endParaRPr lang="en-US" dirty="0"/>
-          </a:p>
-          <a:p>
-            <a:r>
-              <a:rPr lang="en-US" dirty="0"/>
-              <a:t>Outlining a high-level strategy a country could take</a:t>
-            </a:r>
-          </a:p>
-          <a:p>
-            <a:endParaRPr lang="en-US" dirty="0"/>
-          </a:p>
-          <a:p>
-            <a:r>
-              <a:rPr lang="en-US" dirty="0"/>
-              <a:t>Highlighting where policy makers could invest in additional research to better understand the problem</a:t>
-            </a:r>
-          </a:p>
-          <a:p>
-            <a:endParaRPr lang="en-US" dirty="0"/>
-          </a:p>
-          <a:p>
-            <a:endParaRPr lang="en-US" dirty="0"/>
-          </a:p>
-          <a:p>
-            <a:endParaRPr lang="en-US" dirty="0"/>
+          <p:cNvPr id="4" name="Title 3">
+            <a:extLst>
+              <a:ext uri="{FF2B5EF4-FFF2-40B4-BE49-F238E27FC236}">
+                <a16:creationId xmlns:a16="http://schemas.microsoft.com/office/drawing/2014/main" id="{B9E80BC2-4589-4F4D-8C68-24FFC67D1426}"/>
+              </a:ext>
+            </a:extLst>
+          </p:cNvPr>
+          <p:cNvSpPr>
+            <a:spLocks noGrp="1"/>
+          </p:cNvSpPr>
+          <p:nvPr>
+            <p:ph type="ctrTitle"/>
+          </p:nvPr>
+        </p:nvSpPr>
+        <p:spPr>
+          <a:xfrm>
+            <a:off x="416859" y="1122363"/>
+            <a:ext cx="10838329" cy="2387600"/>
+          </a:xfrm>
+        </p:spPr>
+        <p:txBody>
+          <a:bodyPr>
+            <a:normAutofit/>
+          </a:bodyPr>
+          <a:lstStyle/>
+          <a:p>
+            <a:pPr algn="l"/>
+            <a:r>
+              <a:rPr lang="en-US" sz="3600" dirty="0"/>
+              <a:t>Recommendations &amp; Decision Making Support for Policy Makers (Prescriptive)</a:t>
+            </a:r>
           </a:p>
         </p:txBody>
       </p:sp>
     </p:spTree>
     <p:extLst>
       <p:ext uri="{BB962C8B-B14F-4D97-AF65-F5344CB8AC3E}">
-        <p14:creationId xmlns:p14="http://schemas.microsoft.com/office/powerpoint/2010/main" val="19698530"/>
+        <p14:creationId xmlns:p14="http://schemas.microsoft.com/office/powerpoint/2010/main" val="3276250105"/>
       </p:ext>
     </p:extLst>
   </p:cSld>
@@ -7144,6 +7226,128 @@
       </p:grpSpPr>
       <p:sp>
         <p:nvSpPr>
+          <p:cNvPr id="2" name="Title 1">
+            <a:extLst>
+              <a:ext uri="{FF2B5EF4-FFF2-40B4-BE49-F238E27FC236}">
+                <a16:creationId xmlns:a16="http://schemas.microsoft.com/office/drawing/2014/main" id="{624DC2CB-8BD0-C849-B52E-0F91A40C741E}"/>
+              </a:ext>
+            </a:extLst>
+          </p:cNvPr>
+          <p:cNvSpPr>
+            <a:spLocks noGrp="1"/>
+          </p:cNvSpPr>
+          <p:nvPr>
+            <p:ph type="title"/>
+          </p:nvPr>
+        </p:nvSpPr>
+        <p:spPr/>
+        <p:txBody>
+          <a:bodyPr/>
+          <a:lstStyle/>
+          <a:p>
+            <a:r>
+              <a:rPr lang="en-US" dirty="0"/>
+              <a:t>What kind of Country Level Decision Making Support This Analysis Provides</a:t>
+            </a:r>
+          </a:p>
+        </p:txBody>
+      </p:sp>
+      <p:sp>
+        <p:nvSpPr>
+          <p:cNvPr id="3" name="Content Placeholder 2">
+            <a:extLst>
+              <a:ext uri="{FF2B5EF4-FFF2-40B4-BE49-F238E27FC236}">
+                <a16:creationId xmlns:a16="http://schemas.microsoft.com/office/drawing/2014/main" id="{399E939B-CD29-D445-B69B-5A724813DF0B}"/>
+              </a:ext>
+            </a:extLst>
+          </p:cNvPr>
+          <p:cNvSpPr>
+            <a:spLocks noGrp="1"/>
+          </p:cNvSpPr>
+          <p:nvPr>
+            <p:ph idx="1"/>
+          </p:nvPr>
+        </p:nvSpPr>
+        <p:spPr/>
+        <p:txBody>
+          <a:bodyPr/>
+          <a:lstStyle/>
+          <a:p>
+            <a:r>
+              <a:rPr lang="en-US" dirty="0"/>
+              <a:t>Justify investment and potential impact of decision making</a:t>
+            </a:r>
+          </a:p>
+          <a:p>
+            <a:endParaRPr lang="en-US" dirty="0"/>
+          </a:p>
+          <a:p>
+            <a:r>
+              <a:rPr lang="en-US" dirty="0"/>
+              <a:t>Bringing up statistics that would motivate decision makers</a:t>
+            </a:r>
+          </a:p>
+          <a:p>
+            <a:endParaRPr lang="en-US" dirty="0"/>
+          </a:p>
+          <a:p>
+            <a:r>
+              <a:rPr lang="en-US" dirty="0"/>
+              <a:t>Outlining a high-level strategy a country could take</a:t>
+            </a:r>
+          </a:p>
+          <a:p>
+            <a:endParaRPr lang="en-US" dirty="0"/>
+          </a:p>
+          <a:p>
+            <a:r>
+              <a:rPr lang="en-US" dirty="0"/>
+              <a:t>Highlighting where policy makers could invest in additional research to better understand the problem</a:t>
+            </a:r>
+          </a:p>
+          <a:p>
+            <a:endParaRPr lang="en-US" dirty="0"/>
+          </a:p>
+          <a:p>
+            <a:endParaRPr lang="en-US" dirty="0"/>
+          </a:p>
+          <a:p>
+            <a:endParaRPr lang="en-US" dirty="0"/>
+          </a:p>
+        </p:txBody>
+      </p:sp>
+    </p:spTree>
+    <p:extLst>
+      <p:ext uri="{BB962C8B-B14F-4D97-AF65-F5344CB8AC3E}">
+        <p14:creationId xmlns:p14="http://schemas.microsoft.com/office/powerpoint/2010/main" val="19698530"/>
+      </p:ext>
+    </p:extLst>
+  </p:cSld>
+  <p:clrMapOvr>
+    <a:masterClrMapping/>
+  </p:clrMapOvr>
+</p:sld>
+</file>
+
+<file path=ppt/slides/slide28.xml><?xml version="1.0" encoding="utf-8"?>
+<p:sld xmlns:a="http://schemas.openxmlformats.org/drawingml/2006/main" xmlns:r="http://schemas.openxmlformats.org/officeDocument/2006/relationships" xmlns:p="http://schemas.openxmlformats.org/presentationml/2006/main">
+  <p:cSld>
+    <p:spTree>
+      <p:nvGrpSpPr>
+        <p:cNvPr id="1" name=""/>
+        <p:cNvGrpSpPr/>
+        <p:nvPr/>
+      </p:nvGrpSpPr>
+      <p:grpSpPr>
+        <a:xfrm>
+          <a:off x="0" y="0"/>
+          <a:ext cx="0" cy="0"/>
+          <a:chOff x="0" y="0"/>
+          <a:chExt cx="0" cy="0"/>
+        </a:xfrm>
+      </p:grpSpPr>
+      <p:sp>
+        <p:nvSpPr>
           <p:cNvPr id="4" name="Title 3">
             <a:extLst>
               <a:ext uri="{FF2B5EF4-FFF2-40B4-BE49-F238E27FC236}">
@@ -7191,7 +7395,7 @@
 </p:sld>
 </file>
 
-<file path=ppt/slides/slide28.xml><?xml version="1.0" encoding="utf-8"?>
+<file path=ppt/slides/slide29.xml><?xml version="1.0" encoding="utf-8"?>
 <p:sld xmlns:a="http://schemas.openxmlformats.org/drawingml/2006/main" xmlns:r="http://schemas.openxmlformats.org/officeDocument/2006/relationships" xmlns:p="http://schemas.openxmlformats.org/presentationml/2006/main">
   <p:cSld>
     <p:spTree>
@@ -7618,7 +7822,7 @@
           <p:cNvPr id="2" name="Title 1">
             <a:extLst>
               <a:ext uri="{FF2B5EF4-FFF2-40B4-BE49-F238E27FC236}">
-                <a16:creationId xmlns:a16="http://schemas.microsoft.com/office/drawing/2014/main" id="{C5E747E3-1B5F-D14C-BFD1-F80CCB693482}"/>
+                <a16:creationId xmlns:a16="http://schemas.microsoft.com/office/drawing/2014/main" id="{12AD50CE-1696-4F8F-9805-1D32740E91D0}"/>
               </a:ext>
             </a:extLst>
           </p:cNvPr>
@@ -7629,76 +7833,60 @@
             <p:ph type="title"/>
           </p:nvPr>
         </p:nvSpPr>
-        <p:spPr/>
-        <p:txBody>
-          <a:bodyPr/>
-          <a:lstStyle/>
-          <a:p>
-            <a:r>
-              <a:rPr lang="en-US" dirty="0"/>
-              <a:t>Research Motivation – Why We Chose This Topic</a:t>
-            </a:r>
-          </a:p>
-        </p:txBody>
-      </p:sp>
-      <p:sp>
-        <p:nvSpPr>
-          <p:cNvPr id="3" name="Content Placeholder 2">
-            <a:extLst>
-              <a:ext uri="{FF2B5EF4-FFF2-40B4-BE49-F238E27FC236}">
-                <a16:creationId xmlns:a16="http://schemas.microsoft.com/office/drawing/2014/main" id="{41D4C6AE-E0B9-C04E-90F8-A885949ABDCF}"/>
-              </a:ext>
-            </a:extLst>
-          </p:cNvPr>
-          <p:cNvSpPr>
-            <a:spLocks noGrp="1"/>
-          </p:cNvSpPr>
-          <p:nvPr>
-            <p:ph idx="1"/>
-          </p:nvPr>
-        </p:nvSpPr>
-        <p:spPr/>
+        <p:spPr>
+          <a:xfrm>
+            <a:off x="633418" y="0"/>
+            <a:ext cx="10706528" cy="1325563"/>
+          </a:xfrm>
+        </p:spPr>
         <p:txBody>
           <a:bodyPr>
-            <a:normAutofit lnSpcReduction="10000"/>
+            <a:normAutofit/>
           </a:bodyPr>
           <a:lstStyle/>
           <a:p>
             <a:r>
-              <a:rPr lang="en-US" dirty="0"/>
-              <a:t>Suicide is a national problem, deaths are tragic, also preventable</a:t>
-            </a:r>
-          </a:p>
-          <a:p>
-            <a:endParaRPr lang="en-US" dirty="0"/>
-          </a:p>
-          <a:p>
-            <a:r>
-              <a:rPr lang="en-US" dirty="0"/>
-              <a:t>The possibility of prevention and the scale of the problem highlight the need for policy makers, at the national level, to understand the factors that contribute to suicide not only in their respective countries but also in neighboring countries</a:t>
-            </a:r>
-          </a:p>
-          <a:p>
-            <a:endParaRPr lang="en-US" dirty="0"/>
-          </a:p>
-          <a:p>
-            <a:r>
-              <a:rPr lang="en-US" dirty="0"/>
-              <a:t>Quick Overview of Data Sources (no need to spend a lot of time here)</a:t>
-            </a:r>
-          </a:p>
-          <a:p>
-            <a:endParaRPr lang="en-US" dirty="0"/>
-          </a:p>
-          <a:p>
-            <a:endParaRPr lang="en-US" dirty="0"/>
-          </a:p>
-        </p:txBody>
-      </p:sp>
+              <a:rPr lang="en-US" sz="3800" dirty="0"/>
+              <a:t>Model Specification</a:t>
+            </a:r>
+            <a:endParaRPr lang="en-US" sz="3800" u="sng" dirty="0"/>
+          </a:p>
+        </p:txBody>
+      </p:sp>
+      <p:pic>
+        <p:nvPicPr>
+          <p:cNvPr id="9" name="Picture 8">
+            <a:extLst>
+              <a:ext uri="{FF2B5EF4-FFF2-40B4-BE49-F238E27FC236}">
+                <a16:creationId xmlns:a16="http://schemas.microsoft.com/office/drawing/2014/main" id="{59740B86-06FE-694D-B7F9-A34119241C04}"/>
+              </a:ext>
+            </a:extLst>
+          </p:cNvPr>
+          <p:cNvPicPr>
+            <a:picLocks noChangeAspect="1"/>
+          </p:cNvPicPr>
+          <p:nvPr/>
+        </p:nvPicPr>
+        <p:blipFill>
+          <a:blip r:embed="rId3"/>
+          <a:stretch>
+            <a:fillRect/>
+          </a:stretch>
+        </p:blipFill>
+        <p:spPr>
+          <a:xfrm>
+            <a:off x="984384" y="1165723"/>
+            <a:ext cx="10223231" cy="5559624"/>
+          </a:xfrm>
+          <a:prstGeom prst="rect">
+            <a:avLst/>
+          </a:prstGeom>
+        </p:spPr>
+      </p:pic>
     </p:spTree>
     <p:extLst>
       <p:ext uri="{BB962C8B-B14F-4D97-AF65-F5344CB8AC3E}">
-        <p14:creationId xmlns:p14="http://schemas.microsoft.com/office/powerpoint/2010/main" val="189507073"/>
+        <p14:creationId xmlns:p14="http://schemas.microsoft.com/office/powerpoint/2010/main" val="1686999429"/>
       </p:ext>
     </p:extLst>
   </p:cSld>
@@ -7730,7 +7918,7 @@
           <p:cNvPr id="2" name="Title 1">
             <a:extLst>
               <a:ext uri="{FF2B5EF4-FFF2-40B4-BE49-F238E27FC236}">
-                <a16:creationId xmlns:a16="http://schemas.microsoft.com/office/drawing/2014/main" id="{D1426968-BA3F-C041-B49D-B8BAF0A13E5C}"/>
+                <a16:creationId xmlns:a16="http://schemas.microsoft.com/office/drawing/2014/main" id="{C5E747E3-1B5F-D14C-BFD1-F80CCB693482}"/>
               </a:ext>
             </a:extLst>
           </p:cNvPr>
@@ -7748,7 +7936,7 @@
           <a:p>
             <a:r>
               <a:rPr lang="en-US" dirty="0"/>
-              <a:t>What We Want to Share</a:t>
+              <a:t>Research Motivation – Why We Chose This Topic</a:t>
             </a:r>
           </a:p>
         </p:txBody>
@@ -7758,7 +7946,7 @@
           <p:cNvPr id="3" name="Content Placeholder 2">
             <a:extLst>
               <a:ext uri="{FF2B5EF4-FFF2-40B4-BE49-F238E27FC236}">
-                <a16:creationId xmlns:a16="http://schemas.microsoft.com/office/drawing/2014/main" id="{A08ED8B4-4C61-2147-BBD2-F58243DFBD2A}"/>
+                <a16:creationId xmlns:a16="http://schemas.microsoft.com/office/drawing/2014/main" id="{41D4C6AE-E0B9-C04E-90F8-A885949ABDCF}"/>
               </a:ext>
             </a:extLst>
           </p:cNvPr>
@@ -7769,50 +7957,48 @@
             <p:ph idx="1"/>
           </p:nvPr>
         </p:nvSpPr>
-        <p:spPr>
-          <a:xfrm>
-            <a:off x="838200" y="1530203"/>
-            <a:ext cx="10515600" cy="4351338"/>
-          </a:xfrm>
-        </p:spPr>
+        <p:spPr/>
         <p:txBody>
           <a:bodyPr>
-            <a:normAutofit fontScale="77500" lnSpcReduction="20000"/>
+            <a:normAutofit lnSpcReduction="10000"/>
           </a:bodyPr>
           <a:lstStyle/>
           <a:p>
             <a:r>
               <a:rPr lang="en-US" dirty="0"/>
-              <a:t>The objective of our project is to analyze country-level and gender specific data related to suicide rates over the past ten years, and augment it with other country level data and metadata to gain an understanding and better describe rising suicide rates worldwide. Our intentions are two-fold: </a:t>
+              <a:t>Suicide is a national problem, deaths are tragic, also preventable</a:t>
             </a:r>
           </a:p>
           <a:p>
             <a:endParaRPr lang="en-US" dirty="0"/>
           </a:p>
           <a:p>
-            <a:pPr lvl="1"/>
             <a:r>
               <a:rPr lang="en-US" dirty="0"/>
-              <a:t>To describe and identify measures and indicators that impact suicide rates at the country level for both males and females, in order to provide high-level decision making support for leaders and authors of public policy related to mental health and suicide. This includes identifying, and monitoring over time, meaningful factors and measures related to suicide prevention, for those who manage health related planning activities and priorities. </a:t>
-            </a:r>
-          </a:p>
-          <a:p>
-            <a:pPr lvl="1"/>
+              <a:t>The possibility of prevention and the scale of the problem highlight the need for policy makers, at the national level, to understand the factors that contribute to suicide not only in their respective countries but also in neighboring countries</a:t>
+            </a:r>
+          </a:p>
+          <a:p>
             <a:endParaRPr lang="en-US" dirty="0"/>
           </a:p>
           <a:p>
-            <a:pPr lvl="1"/>
             <a:r>
               <a:rPr lang="en-US" dirty="0"/>
-              <a:t>To discuss the sources, and process of collection, of data related to suicide at the country level; describe ancillary datasets that were employed to augment and enrich insights related to international differences in suicide rates. The goal is to make further research and data analysis on this topic more accessible to other interested researchers and data analysts in the future. </a:t>
-            </a:r>
+              <a:t>Quick Overview of Data Sources (no need to spend a lot of time here)</a:t>
+            </a:r>
+          </a:p>
+          <a:p>
+            <a:endParaRPr lang="en-US" dirty="0"/>
+          </a:p>
+          <a:p>
+            <a:endParaRPr lang="en-US" dirty="0"/>
           </a:p>
         </p:txBody>
       </p:sp>
     </p:spTree>
     <p:extLst>
       <p:ext uri="{BB962C8B-B14F-4D97-AF65-F5344CB8AC3E}">
-        <p14:creationId xmlns:p14="http://schemas.microsoft.com/office/powerpoint/2010/main" val="3754035374"/>
+        <p14:creationId xmlns:p14="http://schemas.microsoft.com/office/powerpoint/2010/main" val="189507073"/>
       </p:ext>
     </p:extLst>
   </p:cSld>
@@ -7844,7 +8030,7 @@
           <p:cNvPr id="2" name="Title 1">
             <a:extLst>
               <a:ext uri="{FF2B5EF4-FFF2-40B4-BE49-F238E27FC236}">
-                <a16:creationId xmlns:a16="http://schemas.microsoft.com/office/drawing/2014/main" id="{624DC2CB-8BD0-C849-B52E-0F91A40C741E}"/>
+                <a16:creationId xmlns:a16="http://schemas.microsoft.com/office/drawing/2014/main" id="{D1426968-BA3F-C041-B49D-B8BAF0A13E5C}"/>
               </a:ext>
             </a:extLst>
           </p:cNvPr>
@@ -7862,7 +8048,7 @@
           <a:p>
             <a:r>
               <a:rPr lang="en-US" dirty="0"/>
-              <a:t>Anecdotal Evidence From the News About Highlight Countries</a:t>
+              <a:t>What We Want to Share</a:t>
             </a:r>
           </a:p>
         </p:txBody>
@@ -7872,7 +8058,7 @@
           <p:cNvPr id="3" name="Content Placeholder 2">
             <a:extLst>
               <a:ext uri="{FF2B5EF4-FFF2-40B4-BE49-F238E27FC236}">
-                <a16:creationId xmlns:a16="http://schemas.microsoft.com/office/drawing/2014/main" id="{399E939B-CD29-D445-B69B-5A724813DF0B}"/>
+                <a16:creationId xmlns:a16="http://schemas.microsoft.com/office/drawing/2014/main" id="{A08ED8B4-4C61-2147-BBD2-F58243DFBD2A}"/>
               </a:ext>
             </a:extLst>
           </p:cNvPr>
@@ -7883,44 +8069,42 @@
             <p:ph idx="1"/>
           </p:nvPr>
         </p:nvSpPr>
-        <p:spPr/>
-        <p:txBody>
-          <a:bodyPr/>
+        <p:spPr>
+          <a:xfrm>
+            <a:off x="838200" y="1530203"/>
+            <a:ext cx="10515600" cy="4351338"/>
+          </a:xfrm>
+        </p:spPr>
+        <p:txBody>
+          <a:bodyPr>
+            <a:normAutofit fontScale="77500" lnSpcReduction="20000"/>
+          </a:bodyPr>
           <a:lstStyle/>
           <a:p>
             <a:r>
               <a:rPr lang="en-US" dirty="0"/>
-              <a:t>Pick some countries from the world heatmap and highlight specific news stories, or descriptions of the problem</a:t>
+              <a:t>The objective of our project is to analyze country-level and gender specific data related to suicide rates over the past ten years, and augment it with other country level data and metadata to gain an understanding and better describe rising suicide rates worldwide. Our intentions are two-fold: </a:t>
             </a:r>
           </a:p>
           <a:p>
             <a:endParaRPr lang="en-US" dirty="0"/>
           </a:p>
           <a:p>
+            <a:pPr lvl="1"/>
             <a:r>
               <a:rPr lang="en-US" dirty="0"/>
-              <a:t>Point: Motivate the contribution of the factors we are going to study further:</a:t>
+              <a:t>To describe and identify measures and indicators that impact suicide rates at the country level for both males and females, in order to provide high-level decision making support for leaders and authors of public policy related to mental health and suicide. This includes identifying, and monitoring over time, meaningful factors and measures related to suicide prevention, for those who manage health related planning activities and priorities. </a:t>
             </a:r>
           </a:p>
           <a:p>
             <a:pPr lvl="1"/>
+            <a:endParaRPr lang="en-US" dirty="0"/>
+          </a:p>
+          <a:p>
+            <a:pPr lvl="1"/>
             <a:r>
               <a:rPr lang="en-US" dirty="0"/>
-              <a:t>Economic impact: GDP (poor economic conditions – create stress)</a:t>
-            </a:r>
-          </a:p>
-          <a:p>
-            <a:pPr lvl="1"/>
-            <a:r>
-              <a:rPr lang="en-US" dirty="0"/>
-              <a:t>Substance Abuse: Alcohol abuse</a:t>
-            </a:r>
-          </a:p>
-          <a:p>
-            <a:pPr lvl="1"/>
-            <a:r>
-              <a:rPr lang="en-US" dirty="0"/>
-              <a:t>Mental Health Resource available (counts of professional or facilities)</a:t>
+              <a:t>To discuss the sources, and process of collection, of data related to suicide at the country level; describe ancillary datasets that were employed to augment and enrich insights related to international differences in suicide rates. The goal is to make further research and data analysis on this topic more accessible to other interested researchers and data analysts in the future. </a:t>
             </a:r>
           </a:p>
         </p:txBody>
@@ -7928,7 +8112,7 @@
     </p:spTree>
     <p:extLst>
       <p:ext uri="{BB962C8B-B14F-4D97-AF65-F5344CB8AC3E}">
-        <p14:creationId xmlns:p14="http://schemas.microsoft.com/office/powerpoint/2010/main" val="2517866260"/>
+        <p14:creationId xmlns:p14="http://schemas.microsoft.com/office/powerpoint/2010/main" val="3754035374"/>
       </p:ext>
     </p:extLst>
   </p:cSld>
@@ -7957,6 +8141,122 @@
       </p:grpSpPr>
       <p:sp>
         <p:nvSpPr>
+          <p:cNvPr id="2" name="Title 1">
+            <a:extLst>
+              <a:ext uri="{FF2B5EF4-FFF2-40B4-BE49-F238E27FC236}">
+                <a16:creationId xmlns:a16="http://schemas.microsoft.com/office/drawing/2014/main" id="{624DC2CB-8BD0-C849-B52E-0F91A40C741E}"/>
+              </a:ext>
+            </a:extLst>
+          </p:cNvPr>
+          <p:cNvSpPr>
+            <a:spLocks noGrp="1"/>
+          </p:cNvSpPr>
+          <p:nvPr>
+            <p:ph type="title"/>
+          </p:nvPr>
+        </p:nvSpPr>
+        <p:spPr/>
+        <p:txBody>
+          <a:bodyPr/>
+          <a:lstStyle/>
+          <a:p>
+            <a:r>
+              <a:rPr lang="en-US" dirty="0"/>
+              <a:t>Anecdotal Evidence From the News About Highlight Countries</a:t>
+            </a:r>
+          </a:p>
+        </p:txBody>
+      </p:sp>
+      <p:sp>
+        <p:nvSpPr>
+          <p:cNvPr id="3" name="Content Placeholder 2">
+            <a:extLst>
+              <a:ext uri="{FF2B5EF4-FFF2-40B4-BE49-F238E27FC236}">
+                <a16:creationId xmlns:a16="http://schemas.microsoft.com/office/drawing/2014/main" id="{399E939B-CD29-D445-B69B-5A724813DF0B}"/>
+              </a:ext>
+            </a:extLst>
+          </p:cNvPr>
+          <p:cNvSpPr>
+            <a:spLocks noGrp="1"/>
+          </p:cNvSpPr>
+          <p:nvPr>
+            <p:ph idx="1"/>
+          </p:nvPr>
+        </p:nvSpPr>
+        <p:spPr/>
+        <p:txBody>
+          <a:bodyPr/>
+          <a:lstStyle/>
+          <a:p>
+            <a:r>
+              <a:rPr lang="en-US" dirty="0"/>
+              <a:t>Pick some countries from the world heatmap and highlight specific news stories, or descriptions of the problem</a:t>
+            </a:r>
+          </a:p>
+          <a:p>
+            <a:endParaRPr lang="en-US" dirty="0"/>
+          </a:p>
+          <a:p>
+            <a:r>
+              <a:rPr lang="en-US" dirty="0"/>
+              <a:t>Point: Motivate the contribution of the factors we are going to study further:</a:t>
+            </a:r>
+          </a:p>
+          <a:p>
+            <a:pPr lvl="1"/>
+            <a:r>
+              <a:rPr lang="en-US" dirty="0"/>
+              <a:t>Economic impact: GDP (poor economic conditions – create stress)</a:t>
+            </a:r>
+          </a:p>
+          <a:p>
+            <a:pPr lvl="1"/>
+            <a:r>
+              <a:rPr lang="en-US" dirty="0"/>
+              <a:t>Substance Abuse: Alcohol abuse</a:t>
+            </a:r>
+          </a:p>
+          <a:p>
+            <a:pPr lvl="1"/>
+            <a:r>
+              <a:rPr lang="en-US" dirty="0"/>
+              <a:t>Mental Health Resource available (counts of professional or facilities)</a:t>
+            </a:r>
+          </a:p>
+        </p:txBody>
+      </p:sp>
+    </p:spTree>
+    <p:extLst>
+      <p:ext uri="{BB962C8B-B14F-4D97-AF65-F5344CB8AC3E}">
+        <p14:creationId xmlns:p14="http://schemas.microsoft.com/office/powerpoint/2010/main" val="2517866260"/>
+      </p:ext>
+    </p:extLst>
+  </p:cSld>
+  <p:clrMapOvr>
+    <a:masterClrMapping/>
+  </p:clrMapOvr>
+</p:sld>
+</file>
+
+<file path=ppt/slides/slide8.xml><?xml version="1.0" encoding="utf-8"?>
+<p:sld xmlns:a="http://schemas.openxmlformats.org/drawingml/2006/main" xmlns:r="http://schemas.openxmlformats.org/officeDocument/2006/relationships" xmlns:p="http://schemas.openxmlformats.org/presentationml/2006/main">
+  <p:cSld>
+    <p:spTree>
+      <p:nvGrpSpPr>
+        <p:cNvPr id="1" name=""/>
+        <p:cNvGrpSpPr/>
+        <p:nvPr/>
+      </p:nvGrpSpPr>
+      <p:grpSpPr>
+        <a:xfrm>
+          <a:off x="0" y="0"/>
+          <a:ext cx="0" cy="0"/>
+          <a:chOff x="0" y="0"/>
+          <a:chExt cx="0" cy="0"/>
+        </a:xfrm>
+      </p:grpSpPr>
+      <p:sp>
+        <p:nvSpPr>
           <p:cNvPr id="4" name="Title 3">
             <a:extLst>
               <a:ext uri="{FF2B5EF4-FFF2-40B4-BE49-F238E27FC236}">
@@ -8004,7 +8304,7 @@
 </p:sld>
 </file>
 
-<file path=ppt/slides/slide8.xml><?xml version="1.0" encoding="utf-8"?>
+<file path=ppt/slides/slide9.xml><?xml version="1.0" encoding="utf-8"?>
 <p:sld xmlns:a="http://schemas.openxmlformats.org/drawingml/2006/main" xmlns:r="http://schemas.openxmlformats.org/officeDocument/2006/relationships" xmlns:p="http://schemas.openxmlformats.org/presentationml/2006/main">
   <p:cSld>
     <p:spTree>
@@ -8544,125 +8844,6 @@
     <p:extLst>
       <p:ext uri="{BB962C8B-B14F-4D97-AF65-F5344CB8AC3E}">
         <p14:creationId xmlns:p14="http://schemas.microsoft.com/office/powerpoint/2010/main" val="3877960304"/>
-      </p:ext>
-    </p:extLst>
-  </p:cSld>
-  <p:clrMapOvr>
-    <a:masterClrMapping/>
-  </p:clrMapOvr>
-</p:sld>
-</file>
-
-<file path=ppt/slides/slide9.xml><?xml version="1.0" encoding="utf-8"?>
-<p:sld xmlns:a="http://schemas.openxmlformats.org/drawingml/2006/main" xmlns:r="http://schemas.openxmlformats.org/officeDocument/2006/relationships" xmlns:p="http://schemas.openxmlformats.org/presentationml/2006/main">
-  <p:cSld>
-    <p:spTree>
-      <p:nvGrpSpPr>
-        <p:cNvPr id="1" name=""/>
-        <p:cNvGrpSpPr/>
-        <p:nvPr/>
-      </p:nvGrpSpPr>
-      <p:grpSpPr>
-        <a:xfrm>
-          <a:off x="0" y="0"/>
-          <a:ext cx="0" cy="0"/>
-          <a:chOff x="0" y="0"/>
-          <a:chExt cx="0" cy="0"/>
-        </a:xfrm>
-      </p:grpSpPr>
-      <p:sp>
-        <p:nvSpPr>
-          <p:cNvPr id="2" name="Title 1">
-            <a:extLst>
-              <a:ext uri="{FF2B5EF4-FFF2-40B4-BE49-F238E27FC236}">
-                <a16:creationId xmlns:a16="http://schemas.microsoft.com/office/drawing/2014/main" id="{FE65C610-98C4-4732-81F8-489E110900B8}"/>
-              </a:ext>
-            </a:extLst>
-          </p:cNvPr>
-          <p:cNvSpPr>
-            <a:spLocks noGrp="1"/>
-          </p:cNvSpPr>
-          <p:nvPr>
-            <p:ph type="title"/>
-          </p:nvPr>
-        </p:nvSpPr>
-        <p:spPr/>
-        <p:txBody>
-          <a:bodyPr/>
-          <a:lstStyle/>
-          <a:p>
-            <a:r>
-              <a:rPr lang="en-US" dirty="0"/>
-              <a:t>Chosen Model</a:t>
-            </a:r>
-          </a:p>
-        </p:txBody>
-      </p:sp>
-      <p:sp>
-        <p:nvSpPr>
-          <p:cNvPr id="3" name="Content Placeholder 2">
-            <a:extLst>
-              <a:ext uri="{FF2B5EF4-FFF2-40B4-BE49-F238E27FC236}">
-                <a16:creationId xmlns:a16="http://schemas.microsoft.com/office/drawing/2014/main" id="{D0032FB9-CD46-4003-B3D0-BA96497A9FF6}"/>
-              </a:ext>
-            </a:extLst>
-          </p:cNvPr>
-          <p:cNvSpPr>
-            <a:spLocks noGrp="1"/>
-          </p:cNvSpPr>
-          <p:nvPr>
-            <p:ph idx="1"/>
-          </p:nvPr>
-        </p:nvSpPr>
-        <p:spPr/>
-        <p:txBody>
-          <a:bodyPr/>
-          <a:lstStyle/>
-          <a:p>
-            <a:r>
-              <a:rPr lang="en-US" dirty="0" err="1"/>
-              <a:t>qqOsman</a:t>
-            </a:r>
-            <a:endParaRPr lang="en-US" dirty="0"/>
-          </a:p>
-          <a:p>
-            <a:r>
-              <a:rPr lang="en-US" dirty="0"/>
-              <a:t>Show the model</a:t>
-            </a:r>
-          </a:p>
-          <a:p>
-            <a:pPr lvl="1"/>
-            <a:r>
-              <a:rPr lang="en-US" dirty="0"/>
-              <a:t>Very brief</a:t>
-            </a:r>
-          </a:p>
-          <a:p>
-            <a:pPr lvl="1"/>
-            <a:r>
-              <a:rPr lang="en-US" dirty="0"/>
-              <a:t>Show data transformations</a:t>
-            </a:r>
-          </a:p>
-          <a:p>
-            <a:r>
-              <a:rPr lang="en-US" dirty="0"/>
-              <a:t>Which Inputs were dropped</a:t>
-            </a:r>
-          </a:p>
-          <a:p>
-            <a:r>
-              <a:rPr lang="en-US" dirty="0"/>
-              <a:t>Model Explanation in later sections</a:t>
-            </a:r>
-          </a:p>
-        </p:txBody>
-      </p:sp>
-    </p:spTree>
-    <p:extLst>
-      <p:ext uri="{BB962C8B-B14F-4D97-AF65-F5344CB8AC3E}">
-        <p14:creationId xmlns:p14="http://schemas.microsoft.com/office/powerpoint/2010/main" val="248237869"/>
       </p:ext>
     </p:extLst>
   </p:cSld>
